--- a/Slides/Lecture 2-2.pptx
+++ b/Slides/Lecture 2-2.pptx
@@ -249,7 +249,7 @@
             <a:fld id="{A6781D3C-003D-4837-A496-9A32CDA8003A}" type="datetimeFigureOut">
               <a:rPr lang="en-US" smtClean="0"/>
               <a:pPr/>
-              <a:t>1/17/19</a:t>
+              <a:t>1/14/2019</a:t>
             </a:fld>
             <a:endParaRPr lang="en-US"/>
           </a:p>
@@ -313,37 +313,38 @@
           <a:p>
             <a:pPr lvl="0"/>
             <a:r>
-              <a:rPr lang="en-US"/>
+              <a:rPr lang="en-US" smtClean="0"/>
               <a:t>Click to edit Master text styles</a:t>
             </a:r>
           </a:p>
           <a:p>
             <a:pPr lvl="1"/>
             <a:r>
-              <a:rPr lang="en-US"/>
+              <a:rPr lang="en-US" smtClean="0"/>
               <a:t>Second level</a:t>
             </a:r>
           </a:p>
           <a:p>
             <a:pPr lvl="2"/>
             <a:r>
-              <a:rPr lang="en-US"/>
+              <a:rPr lang="en-US" smtClean="0"/>
               <a:t>Third level</a:t>
             </a:r>
           </a:p>
           <a:p>
             <a:pPr lvl="3"/>
             <a:r>
-              <a:rPr lang="en-US"/>
+              <a:rPr lang="en-US" smtClean="0"/>
               <a:t>Fourth level</a:t>
             </a:r>
           </a:p>
           <a:p>
             <a:pPr lvl="4"/>
             <a:r>
-              <a:rPr lang="en-US"/>
+              <a:rPr lang="en-US" smtClean="0"/>
               <a:t>Fifth level</a:t>
             </a:r>
+            <a:endParaRPr lang="en-US"/>
           </a:p>
         </p:txBody>
       </p:sp>
@@ -536,69 +537,247 @@
       </p:grpSpPr>
       <p:sp>
         <p:nvSpPr>
-          <p:cNvPr id="2" name="Slide Image Placeholder 1"/>
+          <p:cNvPr id="246786" name="Rectangle 7"/>
           <p:cNvSpPr>
-            <a:spLocks noGrp="1" noRot="1" noChangeAspect="1"/>
+            <a:spLocks noGrp="1" noChangeArrowheads="1"/>
+          </p:cNvSpPr>
+          <p:nvPr>
+            <p:ph type="sldNum" sz="quarter" idx="5"/>
+          </p:nvPr>
+        </p:nvSpPr>
+        <p:spPr>
+          <a:noFill/>
+          <a:ln/>
+          <a:extLst>
+            <a:ext uri="{909E8E84-426E-40DD-AFC4-6F175D3DCCD1}">
+              <a14:hiddenFill xmlns:a14="http://schemas.microsoft.com/office/drawing/2010/main">
+                <a:solidFill>
+                  <a:srgbClr val="FFFFFF"/>
+                </a:solidFill>
+              </a14:hiddenFill>
+            </a:ext>
+            <a:ext uri="{91240B29-F687-4F45-9708-019B960494DF}">
+              <a14:hiddenLine xmlns:a14="http://schemas.microsoft.com/office/drawing/2010/main" w="9525">
+                <a:solidFill>
+                  <a:srgbClr val="000000"/>
+                </a:solidFill>
+                <a:miter lim="800000"/>
+                <a:headEnd/>
+                <a:tailEnd/>
+              </a14:hiddenLine>
+            </a:ext>
+          </a:extLst>
+        </p:spPr>
+        <p:txBody>
+          <a:bodyPr/>
+          <a:lstStyle>
+            <a:lvl1pPr defTabSz="914594" eaLnBrk="0" hangingPunct="0">
+              <a:spcBef>
+                <a:spcPct val="30000"/>
+              </a:spcBef>
+              <a:defRPr sz="1200">
+                <a:solidFill>
+                  <a:schemeClr val="tx1"/>
+                </a:solidFill>
+                <a:latin typeface="Times New Roman" pitchFamily="18" charset="0"/>
+              </a:defRPr>
+            </a:lvl1pPr>
+            <a:lvl2pPr marL="727942" indent="-279978" defTabSz="914594" eaLnBrk="0" hangingPunct="0">
+              <a:spcBef>
+                <a:spcPct val="30000"/>
+              </a:spcBef>
+              <a:defRPr sz="1200">
+                <a:solidFill>
+                  <a:schemeClr val="tx1"/>
+                </a:solidFill>
+                <a:latin typeface="Times New Roman" pitchFamily="18" charset="0"/>
+              </a:defRPr>
+            </a:lvl2pPr>
+            <a:lvl3pPr marL="1119911" indent="-223982" defTabSz="914594" eaLnBrk="0" hangingPunct="0">
+              <a:spcBef>
+                <a:spcPct val="30000"/>
+              </a:spcBef>
+              <a:defRPr sz="1200">
+                <a:solidFill>
+                  <a:schemeClr val="tx1"/>
+                </a:solidFill>
+                <a:latin typeface="Times New Roman" pitchFamily="18" charset="0"/>
+              </a:defRPr>
+            </a:lvl3pPr>
+            <a:lvl4pPr marL="1567876" indent="-223982" defTabSz="914594" eaLnBrk="0" hangingPunct="0">
+              <a:spcBef>
+                <a:spcPct val="30000"/>
+              </a:spcBef>
+              <a:defRPr sz="1200">
+                <a:solidFill>
+                  <a:schemeClr val="tx1"/>
+                </a:solidFill>
+                <a:latin typeface="Times New Roman" pitchFamily="18" charset="0"/>
+              </a:defRPr>
+            </a:lvl4pPr>
+            <a:lvl5pPr marL="2015841" indent="-223982" defTabSz="914594" eaLnBrk="0" hangingPunct="0">
+              <a:spcBef>
+                <a:spcPct val="30000"/>
+              </a:spcBef>
+              <a:defRPr sz="1200">
+                <a:solidFill>
+                  <a:schemeClr val="tx1"/>
+                </a:solidFill>
+                <a:latin typeface="Times New Roman" pitchFamily="18" charset="0"/>
+              </a:defRPr>
+            </a:lvl5pPr>
+            <a:lvl6pPr marL="2463805" indent="-223982" defTabSz="914594" eaLnBrk="0" fontAlgn="base" hangingPunct="0">
+              <a:spcBef>
+                <a:spcPct val="30000"/>
+              </a:spcBef>
+              <a:spcAft>
+                <a:spcPct val="0"/>
+              </a:spcAft>
+              <a:defRPr sz="1200">
+                <a:solidFill>
+                  <a:schemeClr val="tx1"/>
+                </a:solidFill>
+                <a:latin typeface="Times New Roman" pitchFamily="18" charset="0"/>
+              </a:defRPr>
+            </a:lvl6pPr>
+            <a:lvl7pPr marL="2911770" indent="-223982" defTabSz="914594" eaLnBrk="0" fontAlgn="base" hangingPunct="0">
+              <a:spcBef>
+                <a:spcPct val="30000"/>
+              </a:spcBef>
+              <a:spcAft>
+                <a:spcPct val="0"/>
+              </a:spcAft>
+              <a:defRPr sz="1200">
+                <a:solidFill>
+                  <a:schemeClr val="tx1"/>
+                </a:solidFill>
+                <a:latin typeface="Times New Roman" pitchFamily="18" charset="0"/>
+              </a:defRPr>
+            </a:lvl7pPr>
+            <a:lvl8pPr marL="3359734" indent="-223982" defTabSz="914594" eaLnBrk="0" fontAlgn="base" hangingPunct="0">
+              <a:spcBef>
+                <a:spcPct val="30000"/>
+              </a:spcBef>
+              <a:spcAft>
+                <a:spcPct val="0"/>
+              </a:spcAft>
+              <a:defRPr sz="1200">
+                <a:solidFill>
+                  <a:schemeClr val="tx1"/>
+                </a:solidFill>
+                <a:latin typeface="Times New Roman" pitchFamily="18" charset="0"/>
+              </a:defRPr>
+            </a:lvl8pPr>
+            <a:lvl9pPr marL="3807699" indent="-223982" defTabSz="914594" eaLnBrk="0" fontAlgn="base" hangingPunct="0">
+              <a:spcBef>
+                <a:spcPct val="30000"/>
+              </a:spcBef>
+              <a:spcAft>
+                <a:spcPct val="0"/>
+              </a:spcAft>
+              <a:defRPr sz="1200">
+                <a:solidFill>
+                  <a:schemeClr val="tx1"/>
+                </a:solidFill>
+                <a:latin typeface="Times New Roman" pitchFamily="18" charset="0"/>
+              </a:defRPr>
+            </a:lvl9pPr>
+          </a:lstStyle>
+          <a:p>
+            <a:pPr eaLnBrk="1" hangingPunct="1">
+              <a:spcBef>
+                <a:spcPct val="0"/>
+              </a:spcBef>
+            </a:pPr>
+            <a:fld id="{58ADA454-3B2B-4BBA-8B1C-6735FA2E4514}" type="slidenum">
+              <a:rPr lang="en-US" altLang="en-US" smtClean="0"/>
+              <a:pPr eaLnBrk="1" hangingPunct="1">
+                <a:spcBef>
+                  <a:spcPct val="0"/>
+                </a:spcBef>
+              </a:pPr>
+              <a:t>34</a:t>
+            </a:fld>
+            <a:endParaRPr lang="en-US" altLang="en-US" smtClean="0"/>
+          </a:p>
+        </p:txBody>
+      </p:sp>
+      <p:sp>
+        <p:nvSpPr>
+          <p:cNvPr id="246787" name="Rectangle 2"/>
+          <p:cNvSpPr>
+            <a:spLocks noGrp="1" noRot="1" noChangeAspect="1" noChangeArrowheads="1" noTextEdit="1"/>
           </p:cNvSpPr>
           <p:nvPr>
             <p:ph type="sldImg"/>
           </p:nvPr>
         </p:nvSpPr>
-        <p:spPr/>
+        <p:spPr>
+          <a:xfrm>
+            <a:off x="381000" y="685800"/>
+            <a:ext cx="6096000" cy="3429000"/>
+          </a:xfrm>
+          <a:ln/>
+        </p:spPr>
       </p:sp>
       <p:sp>
         <p:nvSpPr>
-          <p:cNvPr id="3" name="Notes Placeholder 2"/>
+          <p:cNvPr id="246788" name="Rectangle 3"/>
           <p:cNvSpPr>
-            <a:spLocks noGrp="1"/>
+            <a:spLocks noGrp="1" noChangeArrowheads="1"/>
           </p:cNvSpPr>
           <p:nvPr>
             <p:ph type="body" idx="1"/>
           </p:nvPr>
         </p:nvSpPr>
-        <p:spPr/>
+        <p:spPr>
+          <a:xfrm>
+            <a:off x="686115" y="4344134"/>
+            <a:ext cx="5485772" cy="4113951"/>
+          </a:xfrm>
+          <a:noFill/>
+          <a:ln/>
+          <a:extLst>
+            <a:ext uri="{909E8E84-426E-40DD-AFC4-6F175D3DCCD1}">
+              <a14:hiddenFill xmlns:a14="http://schemas.microsoft.com/office/drawing/2010/main">
+                <a:solidFill>
+                  <a:srgbClr val="FFFFFF"/>
+                </a:solidFill>
+              </a14:hiddenFill>
+            </a:ext>
+            <a:ext uri="{91240B29-F687-4F45-9708-019B960494DF}">
+              <a14:hiddenLine xmlns:a14="http://schemas.microsoft.com/office/drawing/2010/main" w="9525">
+                <a:solidFill>
+                  <a:srgbClr val="000000"/>
+                </a:solidFill>
+                <a:miter lim="800000"/>
+                <a:headEnd/>
+                <a:tailEnd/>
+              </a14:hiddenLine>
+            </a:ext>
+          </a:extLst>
+        </p:spPr>
         <p:txBody>
           <a:bodyPr/>
           <a:lstStyle/>
           <a:p>
-            <a:r>
-              <a:rPr lang="en-US" dirty="0"/>
-              <a:t>Hospital patient, cancer hospital patient.</a:t>
-            </a:r>
-          </a:p>
-          <a:p>
-            <a:endParaRPr lang="en-US" dirty="0"/>
-          </a:p>
-        </p:txBody>
-      </p:sp>
-      <p:sp>
-        <p:nvSpPr>
-          <p:cNvPr id="4" name="Slide Number Placeholder 3"/>
-          <p:cNvSpPr>
-            <a:spLocks noGrp="1"/>
-          </p:cNvSpPr>
-          <p:nvPr>
-            <p:ph type="sldNum" sz="quarter" idx="5"/>
-          </p:nvPr>
-        </p:nvSpPr>
-        <p:spPr/>
-        <p:txBody>
-          <a:bodyPr/>
-          <a:lstStyle/>
-          <a:p>
-            <a:fld id="{6529D11D-5857-48CF-ABB8-89B8AC9FD03C}" type="slidenum">
-              <a:rPr lang="en-US" smtClean="0"/>
-              <a:pPr/>
-              <a:t>13</a:t>
-            </a:fld>
-            <a:endParaRPr lang="en-US"/>
+            <a:pPr eaLnBrk="1" hangingPunct="1"/>
+            <a:r>
+              <a:rPr lang="en-US" altLang="en-US" dirty="0" smtClean="0"/>
+              <a:t>Check if this example is not from </a:t>
+            </a:r>
+            <a:r>
+              <a:rPr lang="en-US" altLang="en-US" dirty="0" err="1" smtClean="0"/>
+              <a:t>Jurafsky</a:t>
+            </a:r>
+            <a:endParaRPr lang="en-US" altLang="en-US" dirty="0" smtClean="0"/>
           </a:p>
         </p:txBody>
       </p:sp>
     </p:spTree>
     <p:extLst>
       <p:ext uri="{BB962C8B-B14F-4D97-AF65-F5344CB8AC3E}">
-        <p14:creationId xmlns:p14="http://schemas.microsoft.com/office/powerpoint/2010/main" val="2849810954"/>
+        <p14:creationId xmlns:p14="http://schemas.microsoft.com/office/powerpoint/2010/main" val="2684533602"/>
       </p:ext>
     </p:extLst>
   </p:cSld>
@@ -786,9 +965,9 @@
                   <a:spcPct val="0"/>
                 </a:spcBef>
               </a:pPr>
-              <a:t>34</a:t>
+              <a:t>35</a:t>
             </a:fld>
-            <a:endParaRPr lang="en-US" altLang="en-US"/>
+            <a:endParaRPr lang="en-US" altLang="en-US" smtClean="0"/>
           </a:p>
         </p:txBody>
       </p:sp>
@@ -853,14 +1032,14 @@
           <a:p>
             <a:pPr eaLnBrk="1" hangingPunct="1"/>
             <a:r>
-              <a:rPr lang="en-US" altLang="en-US" dirty="0"/>
+              <a:rPr lang="en-US" altLang="en-US" dirty="0" smtClean="0"/>
               <a:t>Check if this example is not from </a:t>
             </a:r>
             <a:r>
-              <a:rPr lang="en-US" altLang="en-US" dirty="0" err="1"/>
+              <a:rPr lang="en-US" altLang="en-US" dirty="0" err="1" smtClean="0"/>
               <a:t>Jurafsky</a:t>
             </a:r>
-            <a:endParaRPr lang="en-US" altLang="en-US" dirty="0"/>
+            <a:endParaRPr lang="en-US" altLang="en-US" dirty="0" smtClean="0"/>
           </a:p>
         </p:txBody>
       </p:sp>
@@ -896,7 +1075,7 @@
       </p:grpSpPr>
       <p:sp>
         <p:nvSpPr>
-          <p:cNvPr id="246786" name="Rectangle 7"/>
+          <p:cNvPr id="247810" name="Rectangle 7"/>
           <p:cNvSpPr>
             <a:spLocks noGrp="1" noChangeArrowheads="1"/>
           </p:cNvSpPr>
@@ -1048,275 +1227,6 @@
                 <a:spcPct val="0"/>
               </a:spcBef>
             </a:pPr>
-            <a:fld id="{58ADA454-3B2B-4BBA-8B1C-6735FA2E4514}" type="slidenum">
-              <a:rPr lang="en-US" altLang="en-US" smtClean="0"/>
-              <a:pPr eaLnBrk="1" hangingPunct="1">
-                <a:spcBef>
-                  <a:spcPct val="0"/>
-                </a:spcBef>
-              </a:pPr>
-              <a:t>35</a:t>
-            </a:fld>
-            <a:endParaRPr lang="en-US" altLang="en-US"/>
-          </a:p>
-        </p:txBody>
-      </p:sp>
-      <p:sp>
-        <p:nvSpPr>
-          <p:cNvPr id="246787" name="Rectangle 2"/>
-          <p:cNvSpPr>
-            <a:spLocks noGrp="1" noRot="1" noChangeAspect="1" noChangeArrowheads="1" noTextEdit="1"/>
-          </p:cNvSpPr>
-          <p:nvPr>
-            <p:ph type="sldImg"/>
-          </p:nvPr>
-        </p:nvSpPr>
-        <p:spPr>
-          <a:xfrm>
-            <a:off x="381000" y="685800"/>
-            <a:ext cx="6096000" cy="3429000"/>
-          </a:xfrm>
-          <a:ln/>
-        </p:spPr>
-      </p:sp>
-      <p:sp>
-        <p:nvSpPr>
-          <p:cNvPr id="246788" name="Rectangle 3"/>
-          <p:cNvSpPr>
-            <a:spLocks noGrp="1" noChangeArrowheads="1"/>
-          </p:cNvSpPr>
-          <p:nvPr>
-            <p:ph type="body" idx="1"/>
-          </p:nvPr>
-        </p:nvSpPr>
-        <p:spPr>
-          <a:xfrm>
-            <a:off x="686115" y="4344134"/>
-            <a:ext cx="5485772" cy="4113951"/>
-          </a:xfrm>
-          <a:noFill/>
-          <a:ln/>
-          <a:extLst>
-            <a:ext uri="{909E8E84-426E-40DD-AFC4-6F175D3DCCD1}">
-              <a14:hiddenFill xmlns:a14="http://schemas.microsoft.com/office/drawing/2010/main">
-                <a:solidFill>
-                  <a:srgbClr val="FFFFFF"/>
-                </a:solidFill>
-              </a14:hiddenFill>
-            </a:ext>
-            <a:ext uri="{91240B29-F687-4F45-9708-019B960494DF}">
-              <a14:hiddenLine xmlns:a14="http://schemas.microsoft.com/office/drawing/2010/main" w="9525">
-                <a:solidFill>
-                  <a:srgbClr val="000000"/>
-                </a:solidFill>
-                <a:miter lim="800000"/>
-                <a:headEnd/>
-                <a:tailEnd/>
-              </a14:hiddenLine>
-            </a:ext>
-          </a:extLst>
-        </p:spPr>
-        <p:txBody>
-          <a:bodyPr/>
-          <a:lstStyle/>
-          <a:p>
-            <a:pPr eaLnBrk="1" hangingPunct="1"/>
-            <a:r>
-              <a:rPr lang="en-US" altLang="en-US" dirty="0"/>
-              <a:t>Check if this example is not from </a:t>
-            </a:r>
-            <a:r>
-              <a:rPr lang="en-US" altLang="en-US" dirty="0" err="1"/>
-              <a:t>Jurafsky</a:t>
-            </a:r>
-            <a:endParaRPr lang="en-US" altLang="en-US" dirty="0"/>
-          </a:p>
-        </p:txBody>
-      </p:sp>
-    </p:spTree>
-    <p:extLst>
-      <p:ext uri="{BB962C8B-B14F-4D97-AF65-F5344CB8AC3E}">
-        <p14:creationId xmlns:p14="http://schemas.microsoft.com/office/powerpoint/2010/main" val="2684533602"/>
-      </p:ext>
-    </p:extLst>
-  </p:cSld>
-  <p:clrMapOvr>
-    <a:masterClrMapping/>
-  </p:clrMapOvr>
-</p:notes>
-</file>
-
-<file path=ppt/notesSlides/notesSlide4.xml><?xml version="1.0" encoding="utf-8"?>
-<p:notes xmlns:a="http://schemas.openxmlformats.org/drawingml/2006/main" xmlns:r="http://schemas.openxmlformats.org/officeDocument/2006/relationships" xmlns:p="http://schemas.openxmlformats.org/presentationml/2006/main">
-  <p:cSld>
-    <p:spTree>
-      <p:nvGrpSpPr>
-        <p:cNvPr id="1" name=""/>
-        <p:cNvGrpSpPr/>
-        <p:nvPr/>
-      </p:nvGrpSpPr>
-      <p:grpSpPr>
-        <a:xfrm>
-          <a:off x="0" y="0"/>
-          <a:ext cx="0" cy="0"/>
-          <a:chOff x="0" y="0"/>
-          <a:chExt cx="0" cy="0"/>
-        </a:xfrm>
-      </p:grpSpPr>
-      <p:sp>
-        <p:nvSpPr>
-          <p:cNvPr id="247810" name="Rectangle 7"/>
-          <p:cNvSpPr>
-            <a:spLocks noGrp="1" noChangeArrowheads="1"/>
-          </p:cNvSpPr>
-          <p:nvPr>
-            <p:ph type="sldNum" sz="quarter" idx="5"/>
-          </p:nvPr>
-        </p:nvSpPr>
-        <p:spPr>
-          <a:noFill/>
-          <a:ln/>
-          <a:extLst>
-            <a:ext uri="{909E8E84-426E-40DD-AFC4-6F175D3DCCD1}">
-              <a14:hiddenFill xmlns:a14="http://schemas.microsoft.com/office/drawing/2010/main">
-                <a:solidFill>
-                  <a:srgbClr val="FFFFFF"/>
-                </a:solidFill>
-              </a14:hiddenFill>
-            </a:ext>
-            <a:ext uri="{91240B29-F687-4F45-9708-019B960494DF}">
-              <a14:hiddenLine xmlns:a14="http://schemas.microsoft.com/office/drawing/2010/main" w="9525">
-                <a:solidFill>
-                  <a:srgbClr val="000000"/>
-                </a:solidFill>
-                <a:miter lim="800000"/>
-                <a:headEnd/>
-                <a:tailEnd/>
-              </a14:hiddenLine>
-            </a:ext>
-          </a:extLst>
-        </p:spPr>
-        <p:txBody>
-          <a:bodyPr/>
-          <a:lstStyle>
-            <a:lvl1pPr defTabSz="914594" eaLnBrk="0" hangingPunct="0">
-              <a:spcBef>
-                <a:spcPct val="30000"/>
-              </a:spcBef>
-              <a:defRPr sz="1200">
-                <a:solidFill>
-                  <a:schemeClr val="tx1"/>
-                </a:solidFill>
-                <a:latin typeface="Times New Roman" pitchFamily="18" charset="0"/>
-              </a:defRPr>
-            </a:lvl1pPr>
-            <a:lvl2pPr marL="727942" indent="-279978" defTabSz="914594" eaLnBrk="0" hangingPunct="0">
-              <a:spcBef>
-                <a:spcPct val="30000"/>
-              </a:spcBef>
-              <a:defRPr sz="1200">
-                <a:solidFill>
-                  <a:schemeClr val="tx1"/>
-                </a:solidFill>
-                <a:latin typeface="Times New Roman" pitchFamily="18" charset="0"/>
-              </a:defRPr>
-            </a:lvl2pPr>
-            <a:lvl3pPr marL="1119911" indent="-223982" defTabSz="914594" eaLnBrk="0" hangingPunct="0">
-              <a:spcBef>
-                <a:spcPct val="30000"/>
-              </a:spcBef>
-              <a:defRPr sz="1200">
-                <a:solidFill>
-                  <a:schemeClr val="tx1"/>
-                </a:solidFill>
-                <a:latin typeface="Times New Roman" pitchFamily="18" charset="0"/>
-              </a:defRPr>
-            </a:lvl3pPr>
-            <a:lvl4pPr marL="1567876" indent="-223982" defTabSz="914594" eaLnBrk="0" hangingPunct="0">
-              <a:spcBef>
-                <a:spcPct val="30000"/>
-              </a:spcBef>
-              <a:defRPr sz="1200">
-                <a:solidFill>
-                  <a:schemeClr val="tx1"/>
-                </a:solidFill>
-                <a:latin typeface="Times New Roman" pitchFamily="18" charset="0"/>
-              </a:defRPr>
-            </a:lvl4pPr>
-            <a:lvl5pPr marL="2015841" indent="-223982" defTabSz="914594" eaLnBrk="0" hangingPunct="0">
-              <a:spcBef>
-                <a:spcPct val="30000"/>
-              </a:spcBef>
-              <a:defRPr sz="1200">
-                <a:solidFill>
-                  <a:schemeClr val="tx1"/>
-                </a:solidFill>
-                <a:latin typeface="Times New Roman" pitchFamily="18" charset="0"/>
-              </a:defRPr>
-            </a:lvl5pPr>
-            <a:lvl6pPr marL="2463805" indent="-223982" defTabSz="914594" eaLnBrk="0" fontAlgn="base" hangingPunct="0">
-              <a:spcBef>
-                <a:spcPct val="30000"/>
-              </a:spcBef>
-              <a:spcAft>
-                <a:spcPct val="0"/>
-              </a:spcAft>
-              <a:defRPr sz="1200">
-                <a:solidFill>
-                  <a:schemeClr val="tx1"/>
-                </a:solidFill>
-                <a:latin typeface="Times New Roman" pitchFamily="18" charset="0"/>
-              </a:defRPr>
-            </a:lvl6pPr>
-            <a:lvl7pPr marL="2911770" indent="-223982" defTabSz="914594" eaLnBrk="0" fontAlgn="base" hangingPunct="0">
-              <a:spcBef>
-                <a:spcPct val="30000"/>
-              </a:spcBef>
-              <a:spcAft>
-                <a:spcPct val="0"/>
-              </a:spcAft>
-              <a:defRPr sz="1200">
-                <a:solidFill>
-                  <a:schemeClr val="tx1"/>
-                </a:solidFill>
-                <a:latin typeface="Times New Roman" pitchFamily="18" charset="0"/>
-              </a:defRPr>
-            </a:lvl7pPr>
-            <a:lvl8pPr marL="3359734" indent="-223982" defTabSz="914594" eaLnBrk="0" fontAlgn="base" hangingPunct="0">
-              <a:spcBef>
-                <a:spcPct val="30000"/>
-              </a:spcBef>
-              <a:spcAft>
-                <a:spcPct val="0"/>
-              </a:spcAft>
-              <a:defRPr sz="1200">
-                <a:solidFill>
-                  <a:schemeClr val="tx1"/>
-                </a:solidFill>
-                <a:latin typeface="Times New Roman" pitchFamily="18" charset="0"/>
-              </a:defRPr>
-            </a:lvl8pPr>
-            <a:lvl9pPr marL="3807699" indent="-223982" defTabSz="914594" eaLnBrk="0" fontAlgn="base" hangingPunct="0">
-              <a:spcBef>
-                <a:spcPct val="30000"/>
-              </a:spcBef>
-              <a:spcAft>
-                <a:spcPct val="0"/>
-              </a:spcAft>
-              <a:defRPr sz="1200">
-                <a:solidFill>
-                  <a:schemeClr val="tx1"/>
-                </a:solidFill>
-                <a:latin typeface="Times New Roman" pitchFamily="18" charset="0"/>
-              </a:defRPr>
-            </a:lvl9pPr>
-          </a:lstStyle>
-          <a:p>
-            <a:pPr eaLnBrk="1" hangingPunct="1">
-              <a:spcBef>
-                <a:spcPct val="0"/>
-              </a:spcBef>
-            </a:pPr>
             <a:fld id="{589479BF-691B-44B1-8B7D-D45A120BAF96}" type="slidenum">
               <a:rPr lang="en-US" altLang="en-US" smtClean="0"/>
               <a:pPr eaLnBrk="1" hangingPunct="1">
@@ -1326,7 +1236,7 @@
               </a:pPr>
               <a:t>36</a:t>
             </a:fld>
-            <a:endParaRPr lang="en-US" altLang="en-US"/>
+            <a:endParaRPr lang="en-US" altLang="en-US" smtClean="0"/>
           </a:p>
         </p:txBody>
       </p:sp>
@@ -1390,7 +1300,7 @@
           <a:lstStyle/>
           <a:p>
             <a:pPr eaLnBrk="1" hangingPunct="1"/>
-            <a:endParaRPr lang="en-US" altLang="en-US"/>
+            <a:endParaRPr lang="en-US" altLang="en-US" smtClean="0"/>
           </a:p>
         </p:txBody>
       </p:sp>
@@ -1398,6 +1308,267 @@
     <p:extLst>
       <p:ext uri="{BB962C8B-B14F-4D97-AF65-F5344CB8AC3E}">
         <p14:creationId xmlns:p14="http://schemas.microsoft.com/office/powerpoint/2010/main" val="603698071"/>
+      </p:ext>
+    </p:extLst>
+  </p:cSld>
+  <p:clrMapOvr>
+    <a:masterClrMapping/>
+  </p:clrMapOvr>
+</p:notes>
+</file>
+
+<file path=ppt/notesSlides/notesSlide4.xml><?xml version="1.0" encoding="utf-8"?>
+<p:notes xmlns:a="http://schemas.openxmlformats.org/drawingml/2006/main" xmlns:r="http://schemas.openxmlformats.org/officeDocument/2006/relationships" xmlns:p="http://schemas.openxmlformats.org/presentationml/2006/main">
+  <p:cSld>
+    <p:spTree>
+      <p:nvGrpSpPr>
+        <p:cNvPr id="1" name=""/>
+        <p:cNvGrpSpPr/>
+        <p:nvPr/>
+      </p:nvGrpSpPr>
+      <p:grpSpPr>
+        <a:xfrm>
+          <a:off x="0" y="0"/>
+          <a:ext cx="0" cy="0"/>
+          <a:chOff x="0" y="0"/>
+          <a:chExt cx="0" cy="0"/>
+        </a:xfrm>
+      </p:grpSpPr>
+      <p:sp>
+        <p:nvSpPr>
+          <p:cNvPr id="249858" name="Rectangle 7"/>
+          <p:cNvSpPr>
+            <a:spLocks noGrp="1" noChangeArrowheads="1"/>
+          </p:cNvSpPr>
+          <p:nvPr>
+            <p:ph type="sldNum" sz="quarter" idx="5"/>
+          </p:nvPr>
+        </p:nvSpPr>
+        <p:spPr>
+          <a:noFill/>
+          <a:ln/>
+          <a:extLst>
+            <a:ext uri="{909E8E84-426E-40DD-AFC4-6F175D3DCCD1}">
+              <a14:hiddenFill xmlns:a14="http://schemas.microsoft.com/office/drawing/2010/main">
+                <a:solidFill>
+                  <a:srgbClr val="FFFFFF"/>
+                </a:solidFill>
+              </a14:hiddenFill>
+            </a:ext>
+            <a:ext uri="{91240B29-F687-4F45-9708-019B960494DF}">
+              <a14:hiddenLine xmlns:a14="http://schemas.microsoft.com/office/drawing/2010/main" w="9525">
+                <a:solidFill>
+                  <a:srgbClr val="000000"/>
+                </a:solidFill>
+                <a:miter lim="800000"/>
+                <a:headEnd/>
+                <a:tailEnd/>
+              </a14:hiddenLine>
+            </a:ext>
+          </a:extLst>
+        </p:spPr>
+        <p:txBody>
+          <a:bodyPr/>
+          <a:lstStyle>
+            <a:lvl1pPr defTabSz="914594" eaLnBrk="0" hangingPunct="0">
+              <a:spcBef>
+                <a:spcPct val="30000"/>
+              </a:spcBef>
+              <a:defRPr sz="1200">
+                <a:solidFill>
+                  <a:schemeClr val="tx1"/>
+                </a:solidFill>
+                <a:latin typeface="Times New Roman" pitchFamily="18" charset="0"/>
+              </a:defRPr>
+            </a:lvl1pPr>
+            <a:lvl2pPr marL="727942" indent="-279978" defTabSz="914594" eaLnBrk="0" hangingPunct="0">
+              <a:spcBef>
+                <a:spcPct val="30000"/>
+              </a:spcBef>
+              <a:defRPr sz="1200">
+                <a:solidFill>
+                  <a:schemeClr val="tx1"/>
+                </a:solidFill>
+                <a:latin typeface="Times New Roman" pitchFamily="18" charset="0"/>
+              </a:defRPr>
+            </a:lvl2pPr>
+            <a:lvl3pPr marL="1119911" indent="-223982" defTabSz="914594" eaLnBrk="0" hangingPunct="0">
+              <a:spcBef>
+                <a:spcPct val="30000"/>
+              </a:spcBef>
+              <a:defRPr sz="1200">
+                <a:solidFill>
+                  <a:schemeClr val="tx1"/>
+                </a:solidFill>
+                <a:latin typeface="Times New Roman" pitchFamily="18" charset="0"/>
+              </a:defRPr>
+            </a:lvl3pPr>
+            <a:lvl4pPr marL="1567876" indent="-223982" defTabSz="914594" eaLnBrk="0" hangingPunct="0">
+              <a:spcBef>
+                <a:spcPct val="30000"/>
+              </a:spcBef>
+              <a:defRPr sz="1200">
+                <a:solidFill>
+                  <a:schemeClr val="tx1"/>
+                </a:solidFill>
+                <a:latin typeface="Times New Roman" pitchFamily="18" charset="0"/>
+              </a:defRPr>
+            </a:lvl4pPr>
+            <a:lvl5pPr marL="2015841" indent="-223982" defTabSz="914594" eaLnBrk="0" hangingPunct="0">
+              <a:spcBef>
+                <a:spcPct val="30000"/>
+              </a:spcBef>
+              <a:defRPr sz="1200">
+                <a:solidFill>
+                  <a:schemeClr val="tx1"/>
+                </a:solidFill>
+                <a:latin typeface="Times New Roman" pitchFamily="18" charset="0"/>
+              </a:defRPr>
+            </a:lvl5pPr>
+            <a:lvl6pPr marL="2463805" indent="-223982" defTabSz="914594" eaLnBrk="0" fontAlgn="base" hangingPunct="0">
+              <a:spcBef>
+                <a:spcPct val="30000"/>
+              </a:spcBef>
+              <a:spcAft>
+                <a:spcPct val="0"/>
+              </a:spcAft>
+              <a:defRPr sz="1200">
+                <a:solidFill>
+                  <a:schemeClr val="tx1"/>
+                </a:solidFill>
+                <a:latin typeface="Times New Roman" pitchFamily="18" charset="0"/>
+              </a:defRPr>
+            </a:lvl6pPr>
+            <a:lvl7pPr marL="2911770" indent="-223982" defTabSz="914594" eaLnBrk="0" fontAlgn="base" hangingPunct="0">
+              <a:spcBef>
+                <a:spcPct val="30000"/>
+              </a:spcBef>
+              <a:spcAft>
+                <a:spcPct val="0"/>
+              </a:spcAft>
+              <a:defRPr sz="1200">
+                <a:solidFill>
+                  <a:schemeClr val="tx1"/>
+                </a:solidFill>
+                <a:latin typeface="Times New Roman" pitchFamily="18" charset="0"/>
+              </a:defRPr>
+            </a:lvl7pPr>
+            <a:lvl8pPr marL="3359734" indent="-223982" defTabSz="914594" eaLnBrk="0" fontAlgn="base" hangingPunct="0">
+              <a:spcBef>
+                <a:spcPct val="30000"/>
+              </a:spcBef>
+              <a:spcAft>
+                <a:spcPct val="0"/>
+              </a:spcAft>
+              <a:defRPr sz="1200">
+                <a:solidFill>
+                  <a:schemeClr val="tx1"/>
+                </a:solidFill>
+                <a:latin typeface="Times New Roman" pitchFamily="18" charset="0"/>
+              </a:defRPr>
+            </a:lvl8pPr>
+            <a:lvl9pPr marL="3807699" indent="-223982" defTabSz="914594" eaLnBrk="0" fontAlgn="base" hangingPunct="0">
+              <a:spcBef>
+                <a:spcPct val="30000"/>
+              </a:spcBef>
+              <a:spcAft>
+                <a:spcPct val="0"/>
+              </a:spcAft>
+              <a:defRPr sz="1200">
+                <a:solidFill>
+                  <a:schemeClr val="tx1"/>
+                </a:solidFill>
+                <a:latin typeface="Times New Roman" pitchFamily="18" charset="0"/>
+              </a:defRPr>
+            </a:lvl9pPr>
+          </a:lstStyle>
+          <a:p>
+            <a:pPr eaLnBrk="1" hangingPunct="1">
+              <a:spcBef>
+                <a:spcPct val="0"/>
+              </a:spcBef>
+            </a:pPr>
+            <a:fld id="{297DE0CD-3C2A-49FF-BDBD-B895F5DDA05C}" type="slidenum">
+              <a:rPr lang="en-US" altLang="en-US" smtClean="0"/>
+              <a:pPr eaLnBrk="1" hangingPunct="1">
+                <a:spcBef>
+                  <a:spcPct val="0"/>
+                </a:spcBef>
+              </a:pPr>
+              <a:t>38</a:t>
+            </a:fld>
+            <a:endParaRPr lang="en-US" altLang="en-US" smtClean="0"/>
+          </a:p>
+        </p:txBody>
+      </p:sp>
+      <p:sp>
+        <p:nvSpPr>
+          <p:cNvPr id="249859" name="Rectangle 2"/>
+          <p:cNvSpPr>
+            <a:spLocks noGrp="1" noRot="1" noChangeAspect="1" noChangeArrowheads="1" noTextEdit="1"/>
+          </p:cNvSpPr>
+          <p:nvPr>
+            <p:ph type="sldImg"/>
+          </p:nvPr>
+        </p:nvSpPr>
+        <p:spPr>
+          <a:xfrm>
+            <a:off x="381000" y="685800"/>
+            <a:ext cx="6096000" cy="3429000"/>
+          </a:xfrm>
+          <a:ln/>
+        </p:spPr>
+      </p:sp>
+      <p:sp>
+        <p:nvSpPr>
+          <p:cNvPr id="249860" name="Rectangle 3"/>
+          <p:cNvSpPr>
+            <a:spLocks noGrp="1" noChangeArrowheads="1"/>
+          </p:cNvSpPr>
+          <p:nvPr>
+            <p:ph type="body" idx="1"/>
+          </p:nvPr>
+        </p:nvSpPr>
+        <p:spPr>
+          <a:xfrm>
+            <a:off x="686115" y="4344134"/>
+            <a:ext cx="5485772" cy="4113951"/>
+          </a:xfrm>
+          <a:noFill/>
+          <a:ln/>
+          <a:extLst>
+            <a:ext uri="{909E8E84-426E-40DD-AFC4-6F175D3DCCD1}">
+              <a14:hiddenFill xmlns:a14="http://schemas.microsoft.com/office/drawing/2010/main">
+                <a:solidFill>
+                  <a:srgbClr val="FFFFFF"/>
+                </a:solidFill>
+              </a14:hiddenFill>
+            </a:ext>
+            <a:ext uri="{91240B29-F687-4F45-9708-019B960494DF}">
+              <a14:hiddenLine xmlns:a14="http://schemas.microsoft.com/office/drawing/2010/main" w="9525">
+                <a:solidFill>
+                  <a:srgbClr val="000000"/>
+                </a:solidFill>
+                <a:miter lim="800000"/>
+                <a:headEnd/>
+                <a:tailEnd/>
+              </a14:hiddenLine>
+            </a:ext>
+          </a:extLst>
+        </p:spPr>
+        <p:txBody>
+          <a:bodyPr/>
+          <a:lstStyle/>
+          <a:p>
+            <a:pPr eaLnBrk="1" hangingPunct="1"/>
+            <a:endParaRPr lang="en-US" altLang="en-US" smtClean="0"/>
+          </a:p>
+        </p:txBody>
+      </p:sp>
+    </p:spTree>
+    <p:extLst>
+      <p:ext uri="{BB962C8B-B14F-4D97-AF65-F5344CB8AC3E}">
+        <p14:creationId xmlns:p14="http://schemas.microsoft.com/office/powerpoint/2010/main" val="3215252873"/>
       </p:ext>
     </p:extLst>
   </p:cSld>
@@ -1585,9 +1756,9 @@
                   <a:spcPct val="0"/>
                 </a:spcBef>
               </a:pPr>
-              <a:t>38</a:t>
+              <a:t>39</a:t>
             </a:fld>
-            <a:endParaRPr lang="en-US" altLang="en-US"/>
+            <a:endParaRPr lang="en-US" altLang="en-US" smtClean="0"/>
           </a:p>
         </p:txBody>
       </p:sp>
@@ -1651,268 +1822,7 @@
           <a:lstStyle/>
           <a:p>
             <a:pPr eaLnBrk="1" hangingPunct="1"/>
-            <a:endParaRPr lang="en-US" altLang="en-US"/>
-          </a:p>
-        </p:txBody>
-      </p:sp>
-    </p:spTree>
-    <p:extLst>
-      <p:ext uri="{BB962C8B-B14F-4D97-AF65-F5344CB8AC3E}">
-        <p14:creationId xmlns:p14="http://schemas.microsoft.com/office/powerpoint/2010/main" val="3215252873"/>
-      </p:ext>
-    </p:extLst>
-  </p:cSld>
-  <p:clrMapOvr>
-    <a:masterClrMapping/>
-  </p:clrMapOvr>
-</p:notes>
-</file>
-
-<file path=ppt/notesSlides/notesSlide6.xml><?xml version="1.0" encoding="utf-8"?>
-<p:notes xmlns:a="http://schemas.openxmlformats.org/drawingml/2006/main" xmlns:r="http://schemas.openxmlformats.org/officeDocument/2006/relationships" xmlns:p="http://schemas.openxmlformats.org/presentationml/2006/main">
-  <p:cSld>
-    <p:spTree>
-      <p:nvGrpSpPr>
-        <p:cNvPr id="1" name=""/>
-        <p:cNvGrpSpPr/>
-        <p:nvPr/>
-      </p:nvGrpSpPr>
-      <p:grpSpPr>
-        <a:xfrm>
-          <a:off x="0" y="0"/>
-          <a:ext cx="0" cy="0"/>
-          <a:chOff x="0" y="0"/>
-          <a:chExt cx="0" cy="0"/>
-        </a:xfrm>
-      </p:grpSpPr>
-      <p:sp>
-        <p:nvSpPr>
-          <p:cNvPr id="249858" name="Rectangle 7"/>
-          <p:cNvSpPr>
-            <a:spLocks noGrp="1" noChangeArrowheads="1"/>
-          </p:cNvSpPr>
-          <p:nvPr>
-            <p:ph type="sldNum" sz="quarter" idx="5"/>
-          </p:nvPr>
-        </p:nvSpPr>
-        <p:spPr>
-          <a:noFill/>
-          <a:ln/>
-          <a:extLst>
-            <a:ext uri="{909E8E84-426E-40DD-AFC4-6F175D3DCCD1}">
-              <a14:hiddenFill xmlns:a14="http://schemas.microsoft.com/office/drawing/2010/main">
-                <a:solidFill>
-                  <a:srgbClr val="FFFFFF"/>
-                </a:solidFill>
-              </a14:hiddenFill>
-            </a:ext>
-            <a:ext uri="{91240B29-F687-4F45-9708-019B960494DF}">
-              <a14:hiddenLine xmlns:a14="http://schemas.microsoft.com/office/drawing/2010/main" w="9525">
-                <a:solidFill>
-                  <a:srgbClr val="000000"/>
-                </a:solidFill>
-                <a:miter lim="800000"/>
-                <a:headEnd/>
-                <a:tailEnd/>
-              </a14:hiddenLine>
-            </a:ext>
-          </a:extLst>
-        </p:spPr>
-        <p:txBody>
-          <a:bodyPr/>
-          <a:lstStyle>
-            <a:lvl1pPr defTabSz="914594" eaLnBrk="0" hangingPunct="0">
-              <a:spcBef>
-                <a:spcPct val="30000"/>
-              </a:spcBef>
-              <a:defRPr sz="1200">
-                <a:solidFill>
-                  <a:schemeClr val="tx1"/>
-                </a:solidFill>
-                <a:latin typeface="Times New Roman" pitchFamily="18" charset="0"/>
-              </a:defRPr>
-            </a:lvl1pPr>
-            <a:lvl2pPr marL="727942" indent="-279978" defTabSz="914594" eaLnBrk="0" hangingPunct="0">
-              <a:spcBef>
-                <a:spcPct val="30000"/>
-              </a:spcBef>
-              <a:defRPr sz="1200">
-                <a:solidFill>
-                  <a:schemeClr val="tx1"/>
-                </a:solidFill>
-                <a:latin typeface="Times New Roman" pitchFamily="18" charset="0"/>
-              </a:defRPr>
-            </a:lvl2pPr>
-            <a:lvl3pPr marL="1119911" indent="-223982" defTabSz="914594" eaLnBrk="0" hangingPunct="0">
-              <a:spcBef>
-                <a:spcPct val="30000"/>
-              </a:spcBef>
-              <a:defRPr sz="1200">
-                <a:solidFill>
-                  <a:schemeClr val="tx1"/>
-                </a:solidFill>
-                <a:latin typeface="Times New Roman" pitchFamily="18" charset="0"/>
-              </a:defRPr>
-            </a:lvl3pPr>
-            <a:lvl4pPr marL="1567876" indent="-223982" defTabSz="914594" eaLnBrk="0" hangingPunct="0">
-              <a:spcBef>
-                <a:spcPct val="30000"/>
-              </a:spcBef>
-              <a:defRPr sz="1200">
-                <a:solidFill>
-                  <a:schemeClr val="tx1"/>
-                </a:solidFill>
-                <a:latin typeface="Times New Roman" pitchFamily="18" charset="0"/>
-              </a:defRPr>
-            </a:lvl4pPr>
-            <a:lvl5pPr marL="2015841" indent="-223982" defTabSz="914594" eaLnBrk="0" hangingPunct="0">
-              <a:spcBef>
-                <a:spcPct val="30000"/>
-              </a:spcBef>
-              <a:defRPr sz="1200">
-                <a:solidFill>
-                  <a:schemeClr val="tx1"/>
-                </a:solidFill>
-                <a:latin typeface="Times New Roman" pitchFamily="18" charset="0"/>
-              </a:defRPr>
-            </a:lvl5pPr>
-            <a:lvl6pPr marL="2463805" indent="-223982" defTabSz="914594" eaLnBrk="0" fontAlgn="base" hangingPunct="0">
-              <a:spcBef>
-                <a:spcPct val="30000"/>
-              </a:spcBef>
-              <a:spcAft>
-                <a:spcPct val="0"/>
-              </a:spcAft>
-              <a:defRPr sz="1200">
-                <a:solidFill>
-                  <a:schemeClr val="tx1"/>
-                </a:solidFill>
-                <a:latin typeface="Times New Roman" pitchFamily="18" charset="0"/>
-              </a:defRPr>
-            </a:lvl6pPr>
-            <a:lvl7pPr marL="2911770" indent="-223982" defTabSz="914594" eaLnBrk="0" fontAlgn="base" hangingPunct="0">
-              <a:spcBef>
-                <a:spcPct val="30000"/>
-              </a:spcBef>
-              <a:spcAft>
-                <a:spcPct val="0"/>
-              </a:spcAft>
-              <a:defRPr sz="1200">
-                <a:solidFill>
-                  <a:schemeClr val="tx1"/>
-                </a:solidFill>
-                <a:latin typeface="Times New Roman" pitchFamily="18" charset="0"/>
-              </a:defRPr>
-            </a:lvl7pPr>
-            <a:lvl8pPr marL="3359734" indent="-223982" defTabSz="914594" eaLnBrk="0" fontAlgn="base" hangingPunct="0">
-              <a:spcBef>
-                <a:spcPct val="30000"/>
-              </a:spcBef>
-              <a:spcAft>
-                <a:spcPct val="0"/>
-              </a:spcAft>
-              <a:defRPr sz="1200">
-                <a:solidFill>
-                  <a:schemeClr val="tx1"/>
-                </a:solidFill>
-                <a:latin typeface="Times New Roman" pitchFamily="18" charset="0"/>
-              </a:defRPr>
-            </a:lvl8pPr>
-            <a:lvl9pPr marL="3807699" indent="-223982" defTabSz="914594" eaLnBrk="0" fontAlgn="base" hangingPunct="0">
-              <a:spcBef>
-                <a:spcPct val="30000"/>
-              </a:spcBef>
-              <a:spcAft>
-                <a:spcPct val="0"/>
-              </a:spcAft>
-              <a:defRPr sz="1200">
-                <a:solidFill>
-                  <a:schemeClr val="tx1"/>
-                </a:solidFill>
-                <a:latin typeface="Times New Roman" pitchFamily="18" charset="0"/>
-              </a:defRPr>
-            </a:lvl9pPr>
-          </a:lstStyle>
-          <a:p>
-            <a:pPr eaLnBrk="1" hangingPunct="1">
-              <a:spcBef>
-                <a:spcPct val="0"/>
-              </a:spcBef>
-            </a:pPr>
-            <a:fld id="{297DE0CD-3C2A-49FF-BDBD-B895F5DDA05C}" type="slidenum">
-              <a:rPr lang="en-US" altLang="en-US" smtClean="0"/>
-              <a:pPr eaLnBrk="1" hangingPunct="1">
-                <a:spcBef>
-                  <a:spcPct val="0"/>
-                </a:spcBef>
-              </a:pPr>
-              <a:t>39</a:t>
-            </a:fld>
-            <a:endParaRPr lang="en-US" altLang="en-US"/>
-          </a:p>
-        </p:txBody>
-      </p:sp>
-      <p:sp>
-        <p:nvSpPr>
-          <p:cNvPr id="249859" name="Rectangle 2"/>
-          <p:cNvSpPr>
-            <a:spLocks noGrp="1" noRot="1" noChangeAspect="1" noChangeArrowheads="1" noTextEdit="1"/>
-          </p:cNvSpPr>
-          <p:nvPr>
-            <p:ph type="sldImg"/>
-          </p:nvPr>
-        </p:nvSpPr>
-        <p:spPr>
-          <a:xfrm>
-            <a:off x="381000" y="685800"/>
-            <a:ext cx="6096000" cy="3429000"/>
-          </a:xfrm>
-          <a:ln/>
-        </p:spPr>
-      </p:sp>
-      <p:sp>
-        <p:nvSpPr>
-          <p:cNvPr id="249860" name="Rectangle 3"/>
-          <p:cNvSpPr>
-            <a:spLocks noGrp="1" noChangeArrowheads="1"/>
-          </p:cNvSpPr>
-          <p:nvPr>
-            <p:ph type="body" idx="1"/>
-          </p:nvPr>
-        </p:nvSpPr>
-        <p:spPr>
-          <a:xfrm>
-            <a:off x="686115" y="4344134"/>
-            <a:ext cx="5485772" cy="4113951"/>
-          </a:xfrm>
-          <a:noFill/>
-          <a:ln/>
-          <a:extLst>
-            <a:ext uri="{909E8E84-426E-40DD-AFC4-6F175D3DCCD1}">
-              <a14:hiddenFill xmlns:a14="http://schemas.microsoft.com/office/drawing/2010/main">
-                <a:solidFill>
-                  <a:srgbClr val="FFFFFF"/>
-                </a:solidFill>
-              </a14:hiddenFill>
-            </a:ext>
-            <a:ext uri="{91240B29-F687-4F45-9708-019B960494DF}">
-              <a14:hiddenLine xmlns:a14="http://schemas.microsoft.com/office/drawing/2010/main" w="9525">
-                <a:solidFill>
-                  <a:srgbClr val="000000"/>
-                </a:solidFill>
-                <a:miter lim="800000"/>
-                <a:headEnd/>
-                <a:tailEnd/>
-              </a14:hiddenLine>
-            </a:ext>
-          </a:extLst>
-        </p:spPr>
-        <p:txBody>
-          <a:bodyPr/>
-          <a:lstStyle/>
-          <a:p>
-            <a:pPr eaLnBrk="1" hangingPunct="1"/>
-            <a:endParaRPr lang="en-US" altLang="en-US"/>
+            <a:endParaRPr lang="en-US" altLang="en-US" smtClean="0"/>
           </a:p>
         </p:txBody>
       </p:sp>
@@ -1994,9 +1904,10 @@
           </a:lstStyle>
           <a:p>
             <a:r>
-              <a:rPr lang="en-US" dirty="0"/>
+              <a:rPr lang="en-US" dirty="0" smtClean="0"/>
               <a:t>Click to edit Master title style</a:t>
             </a:r>
+            <a:endParaRPr lang="en-US" dirty="0"/>
           </a:p>
         </p:txBody>
       </p:sp>
@@ -2121,9 +2032,10 @@
           </a:lstStyle>
           <a:p>
             <a:r>
-              <a:rPr lang="en-US" dirty="0"/>
+              <a:rPr lang="en-US" dirty="0" smtClean="0"/>
               <a:t>Click to edit Master subtitle style</a:t>
             </a:r>
+            <a:endParaRPr lang="en-US" dirty="0"/>
           </a:p>
         </p:txBody>
       </p:sp>
@@ -2178,9 +2090,10 @@
           <a:lstStyle/>
           <a:p>
             <a:r>
-              <a:rPr lang="en-US"/>
+              <a:rPr lang="en-US" smtClean="0"/>
               <a:t>Click to edit Master title style</a:t>
             </a:r>
+            <a:endParaRPr lang="en-US"/>
           </a:p>
         </p:txBody>
       </p:sp>
@@ -2242,9 +2155,10 @@
           </a:lstStyle>
           <a:p>
             <a:r>
-              <a:rPr lang="en-US"/>
+              <a:rPr lang="en-US" smtClean="0"/>
               <a:t>Click to edit Master subtitle style</a:t>
             </a:r>
+            <a:endParaRPr lang="en-US"/>
           </a:p>
         </p:txBody>
       </p:sp>
@@ -2350,6 +2264,13 @@
   <p:clrMapOvr>
     <a:masterClrMapping/>
   </p:clrMapOvr>
+  <p:timing>
+    <p:tnLst>
+      <p:par>
+        <p:cTn id="1" dur="indefinite" restart="never" nodeType="tmRoot"/>
+      </p:par>
+    </p:tnLst>
+  </p:timing>
 </p:sldLayout>
 </file>
 
@@ -2393,9 +2314,10 @@
           </a:lstStyle>
           <a:p>
             <a:r>
-              <a:rPr lang="en-US" dirty="0"/>
+              <a:rPr lang="en-US" dirty="0" smtClean="0"/>
               <a:t>Click to edit Master title style</a:t>
             </a:r>
+            <a:endParaRPr lang="en-US" dirty="0"/>
           </a:p>
         </p:txBody>
       </p:sp>
@@ -2447,37 +2369,38 @@
           <a:p>
             <a:pPr lvl="0"/>
             <a:r>
-              <a:rPr lang="en-US" dirty="0"/>
+              <a:rPr lang="en-US" dirty="0" smtClean="0"/>
               <a:t>Click to edit Master text styles</a:t>
             </a:r>
           </a:p>
           <a:p>
             <a:pPr lvl="1"/>
             <a:r>
-              <a:rPr lang="en-US" dirty="0"/>
+              <a:rPr lang="en-US" dirty="0" smtClean="0"/>
               <a:t>Second level</a:t>
             </a:r>
           </a:p>
           <a:p>
             <a:pPr lvl="2"/>
             <a:r>
-              <a:rPr lang="en-US" dirty="0"/>
+              <a:rPr lang="en-US" dirty="0" smtClean="0"/>
               <a:t>Third level</a:t>
             </a:r>
           </a:p>
           <a:p>
             <a:pPr lvl="3"/>
             <a:r>
-              <a:rPr lang="en-US" dirty="0"/>
+              <a:rPr lang="en-US" dirty="0" smtClean="0"/>
               <a:t>Fourth level</a:t>
             </a:r>
           </a:p>
           <a:p>
             <a:pPr lvl="4"/>
             <a:r>
-              <a:rPr lang="en-US" dirty="0"/>
+              <a:rPr lang="en-US" dirty="0" smtClean="0"/>
               <a:t>Fifth level</a:t>
             </a:r>
+            <a:endParaRPr lang="en-US" dirty="0"/>
           </a:p>
         </p:txBody>
       </p:sp>
@@ -2750,6 +2673,13 @@
   <p:clrMapOvr>
     <a:masterClrMapping/>
   </p:clrMapOvr>
+  <p:timing>
+    <p:tnLst>
+      <p:par>
+        <p:cTn id="1" dur="indefinite" restart="never" nodeType="tmRoot"/>
+      </p:par>
+    </p:tnLst>
+  </p:timing>
 </p:sldLayout>
 </file>
 
@@ -2811,9 +2741,10 @@
           </a:lstStyle>
           <a:p>
             <a:r>
-              <a:rPr lang="en-US" dirty="0"/>
+              <a:rPr lang="en-US" dirty="0" smtClean="0"/>
               <a:t>Click to edit Master title style</a:t>
             </a:r>
+            <a:endParaRPr lang="en-US" dirty="0"/>
           </a:p>
         </p:txBody>
       </p:sp>
@@ -2839,35 +2770,35 @@
           <a:p>
             <a:pPr lvl="0"/>
             <a:r>
-              <a:rPr lang="en-US"/>
+              <a:rPr lang="en-US" smtClean="0"/>
               <a:t>Click to edit Master text styles</a:t>
             </a:r>
           </a:p>
           <a:p>
             <a:pPr lvl="1"/>
             <a:r>
-              <a:rPr lang="en-US"/>
+              <a:rPr lang="en-US" smtClean="0"/>
               <a:t>Second level</a:t>
             </a:r>
           </a:p>
           <a:p>
             <a:pPr lvl="2"/>
             <a:r>
-              <a:rPr lang="en-US"/>
+              <a:rPr lang="en-US" smtClean="0"/>
               <a:t>Third level</a:t>
             </a:r>
           </a:p>
           <a:p>
             <a:pPr lvl="3"/>
             <a:r>
-              <a:rPr lang="en-US"/>
+              <a:rPr lang="en-US" smtClean="0"/>
               <a:t>Fourth level</a:t>
             </a:r>
           </a:p>
           <a:p>
             <a:pPr lvl="4"/>
             <a:r>
-              <a:rPr lang="en-US"/>
+              <a:rPr lang="en-US" smtClean="0"/>
               <a:t>Fifth level</a:t>
             </a:r>
             <a:endParaRPr lang="en-US" dirty="0"/>
@@ -2936,7 +2867,7 @@
           </a:lstStyle>
           <a:p>
             <a:r>
-              <a:rPr lang="en-US"/>
+              <a:rPr lang="en-US" smtClean="0"/>
               <a:t>Click to edit Master title style</a:t>
             </a:r>
             <a:endParaRPr lang="en-US" dirty="0"/>
@@ -3056,7 +2987,7 @@
           <a:p>
             <a:pPr lvl="0"/>
             <a:r>
-              <a:rPr lang="en-US"/>
+              <a:rPr lang="en-US" smtClean="0"/>
               <a:t>Click to edit Master text styles</a:t>
             </a:r>
           </a:p>
@@ -3126,7 +3057,7 @@
           </a:lstStyle>
           <a:p>
             <a:r>
-              <a:rPr lang="en-US"/>
+              <a:rPr lang="en-US" smtClean="0"/>
               <a:t>Click to edit Master title style</a:t>
             </a:r>
             <a:endParaRPr lang="en-US" dirty="0"/>
@@ -3201,35 +3132,35 @@
           <a:p>
             <a:pPr lvl="0"/>
             <a:r>
-              <a:rPr lang="en-US"/>
+              <a:rPr lang="en-US" smtClean="0"/>
               <a:t>Click to edit Master text styles</a:t>
             </a:r>
           </a:p>
           <a:p>
             <a:pPr lvl="1"/>
             <a:r>
-              <a:rPr lang="en-US"/>
+              <a:rPr lang="en-US" smtClean="0"/>
               <a:t>Second level</a:t>
             </a:r>
           </a:p>
           <a:p>
             <a:pPr lvl="2"/>
             <a:r>
-              <a:rPr lang="en-US"/>
+              <a:rPr lang="en-US" smtClean="0"/>
               <a:t>Third level</a:t>
             </a:r>
           </a:p>
           <a:p>
             <a:pPr lvl="3"/>
             <a:r>
-              <a:rPr lang="en-US"/>
+              <a:rPr lang="en-US" smtClean="0"/>
               <a:t>Fourth level</a:t>
             </a:r>
           </a:p>
           <a:p>
             <a:pPr lvl="4"/>
             <a:r>
-              <a:rPr lang="en-US"/>
+              <a:rPr lang="en-US" smtClean="0"/>
               <a:t>Fifth level</a:t>
             </a:r>
             <a:endParaRPr lang="en-US" dirty="0"/>
@@ -3304,35 +3235,35 @@
           <a:p>
             <a:pPr lvl="0"/>
             <a:r>
-              <a:rPr lang="en-US"/>
+              <a:rPr lang="en-US" smtClean="0"/>
               <a:t>Click to edit Master text styles</a:t>
             </a:r>
           </a:p>
           <a:p>
             <a:pPr lvl="1"/>
             <a:r>
-              <a:rPr lang="en-US"/>
+              <a:rPr lang="en-US" smtClean="0"/>
               <a:t>Second level</a:t>
             </a:r>
           </a:p>
           <a:p>
             <a:pPr lvl="2"/>
             <a:r>
-              <a:rPr lang="en-US"/>
+              <a:rPr lang="en-US" smtClean="0"/>
               <a:t>Third level</a:t>
             </a:r>
           </a:p>
           <a:p>
             <a:pPr lvl="3"/>
             <a:r>
-              <a:rPr lang="en-US"/>
+              <a:rPr lang="en-US" smtClean="0"/>
               <a:t>Fourth level</a:t>
             </a:r>
           </a:p>
           <a:p>
             <a:pPr lvl="4"/>
             <a:r>
-              <a:rPr lang="en-US"/>
+              <a:rPr lang="en-US" smtClean="0"/>
               <a:t>Fifth level</a:t>
             </a:r>
             <a:endParaRPr lang="en-US" dirty="0"/>
@@ -3403,7 +3334,7 @@
           </a:lstStyle>
           <a:p>
             <a:r>
-              <a:rPr lang="en-US"/>
+              <a:rPr lang="en-US" smtClean="0"/>
               <a:t>Click to edit Master title style</a:t>
             </a:r>
             <a:endParaRPr lang="en-US" dirty="0"/>
@@ -3478,7 +3409,7 @@
           <a:p>
             <a:pPr lvl="0"/>
             <a:r>
-              <a:rPr lang="en-US"/>
+              <a:rPr lang="en-US" smtClean="0"/>
               <a:t>Click to edit Master text styles</a:t>
             </a:r>
           </a:p>
@@ -3549,35 +3480,35 @@
           <a:p>
             <a:pPr lvl="0"/>
             <a:r>
-              <a:rPr lang="en-US"/>
+              <a:rPr lang="en-US" smtClean="0"/>
               <a:t>Click to edit Master text styles</a:t>
             </a:r>
           </a:p>
           <a:p>
             <a:pPr lvl="1"/>
             <a:r>
-              <a:rPr lang="en-US"/>
+              <a:rPr lang="en-US" smtClean="0"/>
               <a:t>Second level</a:t>
             </a:r>
           </a:p>
           <a:p>
             <a:pPr lvl="2"/>
             <a:r>
-              <a:rPr lang="en-US"/>
+              <a:rPr lang="en-US" smtClean="0"/>
               <a:t>Third level</a:t>
             </a:r>
           </a:p>
           <a:p>
             <a:pPr lvl="3"/>
             <a:r>
-              <a:rPr lang="en-US"/>
+              <a:rPr lang="en-US" smtClean="0"/>
               <a:t>Fourth level</a:t>
             </a:r>
           </a:p>
           <a:p>
             <a:pPr lvl="4"/>
             <a:r>
-              <a:rPr lang="en-US"/>
+              <a:rPr lang="en-US" smtClean="0"/>
               <a:t>Fifth level</a:t>
             </a:r>
             <a:endParaRPr lang="en-US" dirty="0"/>
@@ -3652,7 +3583,7 @@
           <a:p>
             <a:pPr lvl="0"/>
             <a:r>
-              <a:rPr lang="en-US"/>
+              <a:rPr lang="en-US" smtClean="0"/>
               <a:t>Click to edit Master text styles</a:t>
             </a:r>
           </a:p>
@@ -3723,35 +3654,35 @@
           <a:p>
             <a:pPr lvl="0"/>
             <a:r>
-              <a:rPr lang="en-US"/>
+              <a:rPr lang="en-US" smtClean="0"/>
               <a:t>Click to edit Master text styles</a:t>
             </a:r>
           </a:p>
           <a:p>
             <a:pPr lvl="1"/>
             <a:r>
-              <a:rPr lang="en-US"/>
+              <a:rPr lang="en-US" smtClean="0"/>
               <a:t>Second level</a:t>
             </a:r>
           </a:p>
           <a:p>
             <a:pPr lvl="2"/>
             <a:r>
-              <a:rPr lang="en-US"/>
+              <a:rPr lang="en-US" smtClean="0"/>
               <a:t>Third level</a:t>
             </a:r>
           </a:p>
           <a:p>
             <a:pPr lvl="3"/>
             <a:r>
-              <a:rPr lang="en-US"/>
+              <a:rPr lang="en-US" smtClean="0"/>
               <a:t>Fourth level</a:t>
             </a:r>
           </a:p>
           <a:p>
             <a:pPr lvl="4"/>
             <a:r>
-              <a:rPr lang="en-US"/>
+              <a:rPr lang="en-US" smtClean="0"/>
               <a:t>Fifth level</a:t>
             </a:r>
             <a:endParaRPr lang="en-US" dirty="0"/>
@@ -3822,7 +3753,7 @@
           </a:lstStyle>
           <a:p>
             <a:r>
-              <a:rPr lang="en-US"/>
+              <a:rPr lang="en-US" smtClean="0"/>
               <a:t>Click to edit Master title style</a:t>
             </a:r>
             <a:endParaRPr lang="en-US" dirty="0"/>
@@ -3923,7 +3854,7 @@
           </a:lstStyle>
           <a:p>
             <a:r>
-              <a:rPr lang="en-US"/>
+              <a:rPr lang="en-US" smtClean="0"/>
               <a:t>Click to edit Master title style</a:t>
             </a:r>
             <a:endParaRPr lang="en-US" dirty="0"/>
@@ -3998,35 +3929,35 @@
           <a:p>
             <a:pPr lvl="0"/>
             <a:r>
-              <a:rPr lang="en-US"/>
+              <a:rPr lang="en-US" smtClean="0"/>
               <a:t>Click to edit Master text styles</a:t>
             </a:r>
           </a:p>
           <a:p>
             <a:pPr lvl="1"/>
             <a:r>
-              <a:rPr lang="en-US"/>
+              <a:rPr lang="en-US" smtClean="0"/>
               <a:t>Second level</a:t>
             </a:r>
           </a:p>
           <a:p>
             <a:pPr lvl="2"/>
             <a:r>
-              <a:rPr lang="en-US"/>
+              <a:rPr lang="en-US" smtClean="0"/>
               <a:t>Third level</a:t>
             </a:r>
           </a:p>
           <a:p>
             <a:pPr lvl="3"/>
             <a:r>
-              <a:rPr lang="en-US"/>
+              <a:rPr lang="en-US" smtClean="0"/>
               <a:t>Fourth level</a:t>
             </a:r>
           </a:p>
           <a:p>
             <a:pPr lvl="4"/>
             <a:r>
-              <a:rPr lang="en-US"/>
+              <a:rPr lang="en-US" smtClean="0"/>
               <a:t>Fifth level</a:t>
             </a:r>
             <a:endParaRPr lang="en-US" dirty="0"/>
@@ -4098,7 +4029,7 @@
           <a:p>
             <a:pPr lvl="0"/>
             <a:r>
-              <a:rPr lang="en-US"/>
+              <a:rPr lang="en-US" smtClean="0"/>
               <a:t>Click to edit Master text styles</a:t>
             </a:r>
           </a:p>
@@ -4168,7 +4099,7 @@
           </a:lstStyle>
           <a:p>
             <a:r>
-              <a:rPr lang="en-US"/>
+              <a:rPr lang="en-US" smtClean="0"/>
               <a:t>Click to edit Master title style</a:t>
             </a:r>
             <a:endParaRPr lang="en-US" dirty="0"/>
@@ -4233,9 +4164,10 @@
           </a:lstStyle>
           <a:p>
             <a:r>
-              <a:rPr lang="en-US"/>
+              <a:rPr lang="en-US" smtClean="0"/>
               <a:t>Click icon to add picture</a:t>
             </a:r>
+            <a:endParaRPr lang="en-US"/>
           </a:p>
         </p:txBody>
       </p:sp>
@@ -4304,7 +4236,7 @@
           <a:p>
             <a:pPr lvl="0"/>
             <a:r>
-              <a:rPr lang="en-US"/>
+              <a:rPr lang="en-US" smtClean="0"/>
               <a:t>Click to edit Master text styles</a:t>
             </a:r>
           </a:p>
@@ -4375,35 +4307,35 @@
           <a:p>
             <a:pPr lvl="0"/>
             <a:r>
-              <a:rPr lang="en-US"/>
+              <a:rPr lang="en-US" smtClean="0"/>
               <a:t>Click to edit Master text styles</a:t>
             </a:r>
           </a:p>
           <a:p>
             <a:pPr lvl="1"/>
             <a:r>
-              <a:rPr lang="en-US"/>
+              <a:rPr lang="en-US" smtClean="0"/>
               <a:t>Second level</a:t>
             </a:r>
           </a:p>
           <a:p>
             <a:pPr lvl="2"/>
             <a:r>
-              <a:rPr lang="en-US"/>
+              <a:rPr lang="en-US" smtClean="0"/>
               <a:t>Third level</a:t>
             </a:r>
           </a:p>
           <a:p>
             <a:pPr lvl="3"/>
             <a:r>
-              <a:rPr lang="en-US"/>
+              <a:rPr lang="en-US" smtClean="0"/>
               <a:t>Fourth level</a:t>
             </a:r>
           </a:p>
           <a:p>
             <a:pPr lvl="4"/>
             <a:r>
-              <a:rPr lang="en-US"/>
+              <a:rPr lang="en-US" smtClean="0"/>
               <a:t>Fifth level</a:t>
             </a:r>
             <a:endParaRPr lang="en-US" dirty="0"/>
@@ -4429,6 +4361,13 @@
     <p:sldLayoutId id="2147483656" r:id="rId8"/>
     <p:sldLayoutId id="2147483657" r:id="rId9"/>
   </p:sldLayoutIdLst>
+  <p:timing>
+    <p:tnLst>
+      <p:par>
+        <p:cTn id="1" dur="indefinite" restart="never" nodeType="tmRoot"/>
+      </p:par>
+    </p:tnLst>
+  </p:timing>
   <p:txStyles>
     <p:titleStyle>
       <a:lvl1pPr algn="ctr" defTabSz="457200" rtl="0" eaLnBrk="1" latinLnBrk="0" hangingPunct="1">
@@ -4801,7 +4740,7 @@
           <a:p>
             <a:pPr lvl="0"/>
             <a:r>
-              <a:rPr lang="en-US" dirty="0"/>
+              <a:rPr lang="en-US" dirty="0" smtClean="0"/>
               <a:t>Click to edit Master title style</a:t>
             </a:r>
           </a:p>
@@ -4843,35 +4782,35 @@
           <a:p>
             <a:pPr lvl="0"/>
             <a:r>
-              <a:rPr lang="en-US" dirty="0"/>
+              <a:rPr lang="en-US" dirty="0" smtClean="0"/>
               <a:t>Click to edit Master text styles</a:t>
             </a:r>
           </a:p>
           <a:p>
             <a:pPr lvl="1"/>
             <a:r>
-              <a:rPr lang="en-US" dirty="0"/>
+              <a:rPr lang="en-US" dirty="0" smtClean="0"/>
               <a:t>Second level</a:t>
             </a:r>
           </a:p>
           <a:p>
             <a:pPr lvl="2"/>
             <a:r>
-              <a:rPr lang="en-US" dirty="0"/>
+              <a:rPr lang="en-US" dirty="0" smtClean="0"/>
               <a:t>Third level</a:t>
             </a:r>
           </a:p>
           <a:p>
             <a:pPr lvl="3"/>
             <a:r>
-              <a:rPr lang="en-US" dirty="0"/>
+              <a:rPr lang="en-US" dirty="0" smtClean="0"/>
               <a:t>Fourth level</a:t>
             </a:r>
           </a:p>
           <a:p>
             <a:pPr lvl="4"/>
             <a:r>
-              <a:rPr lang="en-US" dirty="0"/>
+              <a:rPr lang="en-US" dirty="0" smtClean="0"/>
               <a:t>Fifth level</a:t>
             </a:r>
           </a:p>
@@ -5533,11 +5472,14 @@
           <a:lstStyle/>
           <a:p>
             <a:r>
-              <a:rPr lang="en-US" sz="18000" dirty="0">
+              <a:rPr lang="en-US" sz="18000" dirty="0" smtClean="0">
                 <a:latin typeface="Rockwell Extra Bold" panose="02060903040505020403" pitchFamily="18" charset="0"/>
               </a:rPr>
               <a:t>NLP</a:t>
             </a:r>
+            <a:endParaRPr lang="en-US" sz="18000" dirty="0">
+              <a:latin typeface="Rockwell Extra Bold" panose="02060903040505020403" pitchFamily="18" charset="0"/>
+            </a:endParaRPr>
           </a:p>
         </p:txBody>
       </p:sp>
@@ -5551,6 +5493,13 @@
   <p:clrMapOvr>
     <a:masterClrMapping/>
   </p:clrMapOvr>
+  <p:timing>
+    <p:tnLst>
+      <p:par>
+        <p:cTn id="1" dur="indefinite" restart="never" nodeType="tmRoot"/>
+      </p:par>
+    </p:tnLst>
+  </p:timing>
 </p:sld>
 </file>
 
@@ -5595,7 +5544,7 @@
               <a:defRPr/>
             </a:pPr>
             <a:r>
-              <a:rPr lang="en-US" altLang="en-US" dirty="0"/>
+              <a:rPr lang="en-US" altLang="en-US" dirty="0" smtClean="0"/>
               <a:t>Syntax vs. Semantics</a:t>
             </a:r>
           </a:p>
@@ -5772,14 +5721,30 @@
             </a:pPr>
             <a:r>
               <a:rPr lang="en-US" altLang="en-US" sz="2400" i="1" dirty="0"/>
-              <a:t>* Little a has Mary lamb.</a:t>
+              <a:t>* </a:t>
+            </a:r>
+            <a:r>
+              <a:rPr lang="en-US" altLang="en-US" sz="2400" i="1" dirty="0" smtClean="0"/>
+              <a:t>Little a has Mary lamb.</a:t>
+            </a:r>
+            <a:r>
+              <a:rPr lang="en-US" altLang="en-US" sz="2400" i="1" dirty="0"/>
+              <a:t/>
             </a:r>
             <a:br>
               <a:rPr lang="en-US" altLang="en-US" sz="2400" i="1" dirty="0"/>
             </a:br>
             <a:r>
+              <a:rPr lang="en-US" altLang="en-US" sz="2400" i="1" dirty="0" smtClean="0"/>
+              <a:t>? </a:t>
+            </a:r>
+            <a:r>
               <a:rPr lang="en-US" altLang="en-US" sz="2400" i="1" dirty="0"/>
-              <a:t>? Colorless green ideas sleep furiously.</a:t>
+              <a:t>Colorless green ideas sleep furiously</a:t>
+            </a:r>
+            <a:r>
+              <a:rPr lang="en-US" altLang="en-US" sz="2400" i="1" dirty="0" smtClean="0"/>
+              <a:t>.</a:t>
             </a:r>
             <a:endParaRPr lang="en-US" altLang="en-US" sz="2400" dirty="0"/>
           </a:p>
@@ -5808,9 +5773,10 @@
           <a:lstStyle/>
           <a:p>
             <a:r>
-              <a:rPr lang="en-US" dirty="0"/>
+              <a:rPr lang="en-US" dirty="0" smtClean="0"/>
               <a:t>[Chomsky 1957]</a:t>
             </a:r>
+            <a:endParaRPr lang="en-US" dirty="0"/>
           </a:p>
         </p:txBody>
       </p:sp>
@@ -5938,7 +5904,7 @@
           <a:lstStyle/>
           <a:p>
             <a:r>
-              <a:rPr lang="en-US" altLang="en-US" dirty="0"/>
+              <a:rPr lang="en-US" altLang="en-US" dirty="0" smtClean="0"/>
               <a:t>Ambiguous Words</a:t>
             </a:r>
           </a:p>
@@ -5970,36 +5936,55 @@
           <a:p>
             <a:pPr lvl="1"/>
             <a:r>
+              <a:rPr lang="en-US" altLang="en-US" dirty="0" smtClean="0"/>
+              <a:t>meaning</a:t>
+            </a:r>
+            <a:endParaRPr lang="en-US" altLang="en-US" dirty="0"/>
+          </a:p>
+          <a:p>
+            <a:r>
+              <a:rPr lang="en-US" altLang="en-US" sz="2500" dirty="0" smtClean="0"/>
+              <a:t>fly</a:t>
+            </a:r>
+            <a:r>
+              <a:rPr lang="en-US" altLang="en-US" sz="2500" dirty="0"/>
+              <a:t>, rent, tape</a:t>
+            </a:r>
+            <a:endParaRPr lang="en-US" altLang="en-US" dirty="0"/>
+          </a:p>
+          <a:p>
+            <a:pPr lvl="1"/>
+            <a:r>
+              <a:rPr lang="en-US" altLang="en-US" dirty="0" smtClean="0"/>
+              <a:t>part </a:t>
+            </a:r>
+            <a:r>
               <a:rPr lang="en-US" altLang="en-US" dirty="0"/>
-              <a:t>meaning</a:t>
-            </a:r>
-          </a:p>
-          <a:p>
+              <a:t>of speech</a:t>
+            </a:r>
+          </a:p>
+          <a:p>
+            <a:r>
+              <a:rPr lang="en-US" altLang="en-US" sz="2500" dirty="0" smtClean="0"/>
+              <a:t>address</a:t>
+            </a:r>
             <a:r>
               <a:rPr lang="en-US" altLang="en-US" sz="2500" dirty="0"/>
-              <a:t>fly, rent, tape</a:t>
+              <a:t>, resent, entrance, </a:t>
+            </a:r>
+            <a:r>
+              <a:rPr lang="en-US" altLang="en-US" sz="2500" dirty="0" smtClean="0"/>
+              <a:t>number, unionized</a:t>
+            </a:r>
+            <a:endParaRPr lang="en-US" altLang="en-US" sz="2500" dirty="0"/>
+          </a:p>
+          <a:p>
+            <a:pPr lvl="1"/>
+            <a:r>
+              <a:rPr lang="en-US" altLang="en-US" dirty="0" smtClean="0"/>
+              <a:t>pronunciation – give it a try</a:t>
             </a:r>
             <a:endParaRPr lang="en-US" altLang="en-US" dirty="0"/>
-          </a:p>
-          <a:p>
-            <a:pPr lvl="1"/>
-            <a:r>
-              <a:rPr lang="en-US" altLang="en-US" dirty="0"/>
-              <a:t>part of speech</a:t>
-            </a:r>
-          </a:p>
-          <a:p>
-            <a:r>
-              <a:rPr lang="en-US" altLang="en-US" sz="2500" dirty="0"/>
-              <a:t>address, resent, entrance, number, unionized</a:t>
-            </a:r>
-          </a:p>
-          <a:p>
-            <a:pPr lvl="1"/>
-            <a:r>
-              <a:rPr lang="en-US" altLang="en-US" dirty="0"/>
-              <a:t>pronunciation – give it a try</a:t>
-            </a:r>
           </a:p>
         </p:txBody>
       </p:sp>
@@ -6376,7 +6361,7 @@
           <a:lstStyle/>
           <a:p>
             <a:r>
-              <a:rPr lang="en-US" altLang="en-US" dirty="0"/>
+              <a:rPr lang="en-US" altLang="en-US" dirty="0" smtClean="0"/>
               <a:t>Answer to the quiz</a:t>
             </a:r>
           </a:p>
@@ -6405,25 +6390,25 @@
           <a:lstStyle/>
           <a:p>
             <a:r>
-              <a:rPr lang="en-US" altLang="en-US" dirty="0"/>
+              <a:rPr lang="en-US" altLang="en-US" dirty="0" smtClean="0"/>
               <a:t>a</a:t>
             </a:r>
             <a:r>
-              <a:rPr lang="en-US" altLang="en-US" sz="2500" dirty="0"/>
+              <a:rPr lang="en-US" altLang="en-US" sz="2500" dirty="0" smtClean="0"/>
               <a:t>ddress</a:t>
             </a:r>
           </a:p>
           <a:p>
             <a:pPr lvl="1"/>
             <a:r>
-              <a:rPr lang="en-US" altLang="en-US" sz="2000" dirty="0"/>
+              <a:rPr lang="en-US" altLang="en-US" sz="2000" dirty="0" smtClean="0"/>
               <a:t>Th</a:t>
             </a:r>
             <a:r>
-              <a:rPr lang="en-US" altLang="en-US" dirty="0"/>
+              <a:rPr lang="en-US" altLang="en-US" dirty="0" smtClean="0"/>
               <a:t>e stress can be on either syllable. Compare with transport, effect, outline</a:t>
             </a:r>
-            <a:endParaRPr lang="en-US" altLang="en-US" sz="2000" dirty="0"/>
+            <a:endParaRPr lang="en-US" altLang="en-US" sz="2000" dirty="0" smtClean="0"/>
           </a:p>
           <a:p>
             <a:r>
@@ -6431,31 +6416,31 @@
               <a:t>r</a:t>
             </a:r>
             <a:r>
-              <a:rPr lang="en-US" altLang="en-US" sz="2500" dirty="0"/>
+              <a:rPr lang="en-US" altLang="en-US" sz="2500" dirty="0" smtClean="0"/>
               <a:t>esent</a:t>
             </a:r>
           </a:p>
           <a:p>
             <a:pPr lvl="1"/>
             <a:r>
-              <a:rPr lang="en-US" altLang="en-US" sz="2000" dirty="0"/>
+              <a:rPr lang="en-US" altLang="en-US" sz="2000" dirty="0" smtClean="0"/>
               <a:t>As a verb infinitive or as “re-sent” a letter</a:t>
             </a:r>
           </a:p>
           <a:p>
             <a:r>
-              <a:rPr lang="en-US" altLang="en-US" dirty="0"/>
+              <a:rPr lang="en-US" altLang="en-US" dirty="0" smtClean="0"/>
               <a:t>e</a:t>
             </a:r>
             <a:r>
-              <a:rPr lang="en-US" altLang="en-US" sz="2500" dirty="0"/>
+              <a:rPr lang="en-US" altLang="en-US" sz="2500" dirty="0" smtClean="0"/>
               <a:t>ntrance</a:t>
             </a:r>
           </a:p>
           <a:p>
             <a:pPr lvl="1"/>
             <a:r>
-              <a:rPr lang="en-US" altLang="en-US" sz="2000" dirty="0"/>
+              <a:rPr lang="en-US" altLang="en-US" sz="2000" dirty="0" smtClean="0"/>
               <a:t>As a noun or as a verb meaning to put someone in a trance</a:t>
             </a:r>
           </a:p>
@@ -6465,21 +6450,21 @@
               <a:t>n</a:t>
             </a:r>
             <a:r>
-              <a:rPr lang="en-US" altLang="en-US" sz="2500" dirty="0"/>
+              <a:rPr lang="en-US" altLang="en-US" sz="2500" dirty="0" smtClean="0"/>
               <a:t>umber</a:t>
             </a:r>
           </a:p>
           <a:p>
             <a:pPr lvl="1"/>
             <a:r>
-              <a:rPr lang="en-US" altLang="en-US" sz="2000" dirty="0"/>
+              <a:rPr lang="en-US" altLang="en-US" sz="2000" dirty="0" smtClean="0"/>
               <a:t>As a noun but also as th</a:t>
             </a:r>
             <a:r>
-              <a:rPr lang="en-US" altLang="en-US" dirty="0"/>
+              <a:rPr lang="en-US" altLang="en-US" dirty="0" smtClean="0"/>
               <a:t>e comparative of the adjective “numb”</a:t>
             </a:r>
-            <a:endParaRPr lang="en-US" altLang="en-US" sz="2000" dirty="0"/>
+            <a:endParaRPr lang="en-US" altLang="en-US" sz="2000" dirty="0" smtClean="0"/>
           </a:p>
           <a:p>
             <a:pPr marL="457200" lvl="1" indent="0">
@@ -6499,6 +6484,14 @@
   <p:clrMapOvr>
     <a:masterClrMapping/>
   </p:clrMapOvr>
+  <mc:AlternateContent xmlns:mc="http://schemas.openxmlformats.org/markup-compatibility/2006" xmlns:p14="http://schemas.microsoft.com/office/powerpoint/2010/main">
+    <mc:Choice Requires="p14">
+      <p:transition spd="slow" p14:dur="2000"/>
+    </mc:Choice>
+    <mc:Fallback xmlns="">
+      <p:transition spd="slow"/>
+    </mc:Fallback>
+  </mc:AlternateContent>
   <p:timing>
     <p:tnLst>
       <p:par>
@@ -6960,7 +6953,7 @@
           <a:lstStyle/>
           <a:p>
             <a:r>
-              <a:rPr lang="en-US" altLang="en-US"/>
+              <a:rPr lang="en-US" altLang="en-US" smtClean="0"/>
               <a:t>Ambiguity</a:t>
             </a:r>
           </a:p>
@@ -6984,51 +6977,67 @@
           <a:lstStyle/>
           <a:p>
             <a:r>
-              <a:rPr lang="en-US" altLang="en-US" dirty="0"/>
+              <a:rPr lang="en-US" altLang="en-US" dirty="0" smtClean="0"/>
               <a:t>Not in computer languages (by design)!</a:t>
             </a:r>
           </a:p>
           <a:p>
             <a:r>
-              <a:rPr lang="en-US" altLang="en-US" dirty="0"/>
+              <a:rPr lang="en-US" altLang="en-US" dirty="0" smtClean="0"/>
               <a:t>Or </a:t>
             </a:r>
             <a:r>
-              <a:rPr lang="en-US" altLang="en-US" dirty="0" err="1"/>
+              <a:rPr lang="en-US" altLang="en-US" dirty="0" err="1" smtClean="0"/>
               <a:t>Lojban</a:t>
             </a:r>
             <a:r>
-              <a:rPr lang="en-US" altLang="en-US" dirty="0"/>
+              <a:rPr lang="en-US" altLang="en-US" dirty="0" smtClean="0"/>
               <a:t> </a:t>
             </a:r>
           </a:p>
           <a:p>
             <a:r>
-              <a:rPr lang="en-US" altLang="en-US" dirty="0"/>
+              <a:rPr lang="en-US" altLang="en-US" dirty="0" smtClean="0"/>
               <a:t>Noun-noun phrases: (XY)Z vs. X(YZ)</a:t>
             </a:r>
           </a:p>
           <a:p>
             <a:pPr lvl="1"/>
             <a:r>
+              <a:rPr lang="en-US" sz="2300" i="1" dirty="0" smtClean="0"/>
+              <a:t>science </a:t>
+            </a:r>
+            <a:r>
               <a:rPr lang="en-US" sz="2300" i="1" dirty="0"/>
-              <a:t>science fiction writer</a:t>
+              <a:t>fiction writer</a:t>
             </a:r>
           </a:p>
           <a:p>
             <a:pPr lvl="1"/>
             <a:r>
+              <a:rPr lang="en-US" sz="2300" i="1" dirty="0" smtClean="0"/>
+              <a:t>customer </a:t>
+            </a:r>
+            <a:r>
               <a:rPr lang="en-US" sz="2300" i="1" dirty="0"/>
-              <a:t>customer service representative</a:t>
+              <a:t>service representative</a:t>
             </a:r>
           </a:p>
           <a:p>
             <a:pPr lvl="1"/>
             <a:r>
+              <a:rPr lang="en-US" sz="2300" i="1" dirty="0" smtClean="0"/>
+              <a:t>state </a:t>
+            </a:r>
+            <a:r>
               <a:rPr lang="en-US" sz="2300" i="1" dirty="0"/>
-              <a:t>state chess tournament</a:t>
-            </a:r>
-            <a:endParaRPr lang="en-US" altLang="en-US" dirty="0"/>
+              <a:t>chess </a:t>
+            </a:r>
+            <a:r>
+              <a:rPr lang="en-US" sz="2300" i="1" dirty="0" smtClean="0"/>
+              <a:t>tournament</a:t>
+            </a:r>
+            <a:endParaRPr lang="en-US" altLang="en-US" dirty="0" smtClean="0"/>
           </a:p>
         </p:txBody>
       </p:sp>
@@ -7041,7 +7050,7 @@
           <p:nvPr/>
         </p:nvPicPr>
         <p:blipFill>
-          <a:blip r:embed="rId3">
+          <a:blip r:embed="rId2">
             <a:extLst>
               <a:ext uri="{28A0092B-C50C-407E-A947-70E740481C1C}">
                 <a14:useLocalDpi xmlns:a14="http://schemas.microsoft.com/office/drawing/2010/main" val="0"/>
@@ -7491,7 +7500,7 @@
           <a:lstStyle/>
           <a:p>
             <a:r>
-              <a:rPr lang="en-US" altLang="en-US" dirty="0"/>
+              <a:rPr lang="en-US" altLang="en-US" dirty="0" smtClean="0"/>
               <a:t>NACLO Problem</a:t>
             </a:r>
           </a:p>
@@ -7515,7 +7524,7 @@
           <a:lstStyle/>
           <a:p>
             <a:r>
-              <a:rPr lang="en-US" altLang="en-US" sz="2400" dirty="0"/>
+              <a:rPr lang="en-US" altLang="en-US" sz="2400" dirty="0" smtClean="0"/>
               <a:t>One Two Tree, by </a:t>
             </a:r>
             <a:r>
@@ -7528,20 +7537,24 @@
             </a:r>
             <a:r>
               <a:rPr lang="en-US" sz="2400" dirty="0"/>
-              <a:t>, and Jason Eisner</a:t>
-            </a:r>
-            <a:endParaRPr lang="en-US" altLang="en-US" sz="2400" dirty="0"/>
+              <a:t>, and Jason </a:t>
+            </a:r>
+            <a:r>
+              <a:rPr lang="en-US" sz="2400" dirty="0" smtClean="0"/>
+              <a:t>Eisner</a:t>
+            </a:r>
+            <a:endParaRPr lang="en-US" altLang="en-US" sz="2400" dirty="0" smtClean="0"/>
           </a:p>
           <a:p>
             <a:pPr lvl="1"/>
             <a:r>
-              <a:rPr lang="en-US" altLang="en-US" sz="2000" dirty="0">
+              <a:rPr lang="en-US" altLang="en-US" sz="2000" dirty="0" smtClean="0">
                 <a:hlinkClick r:id="rId2"/>
               </a:rPr>
               <a:t>http://www.nacloweb.org/resources/problems/2012/N2012-R.pdf</a:t>
             </a:r>
             <a:r>
-              <a:rPr lang="en-US" altLang="en-US" sz="2000" dirty="0"/>
+              <a:rPr lang="en-US" altLang="en-US" sz="2000" dirty="0" smtClean="0"/>
               <a:t>    </a:t>
             </a:r>
           </a:p>
@@ -7557,6 +7570,13 @@
   <p:clrMapOvr>
     <a:masterClrMapping/>
   </p:clrMapOvr>
+  <p:timing>
+    <p:tnLst>
+      <p:par>
+        <p:cTn id="1" dur="indefinite" restart="never" nodeType="tmRoot"/>
+      </p:par>
+    </p:tnLst>
+  </p:timing>
 </p:sld>
 </file>
 
@@ -7641,6 +7661,13 @@
   <p:clrMapOvr>
     <a:masterClrMapping/>
   </p:clrMapOvr>
+  <p:timing>
+    <p:tnLst>
+      <p:par>
+        <p:cTn id="1" dur="indefinite" restart="never" nodeType="tmRoot"/>
+      </p:par>
+    </p:tnLst>
+  </p:timing>
 </p:sld>
 </file>
 
@@ -7725,6 +7752,13 @@
   <p:clrMapOvr>
     <a:masterClrMapping/>
   </p:clrMapOvr>
+  <p:timing>
+    <p:tnLst>
+      <p:par>
+        <p:cTn id="1" dur="indefinite" restart="never" nodeType="tmRoot"/>
+      </p:par>
+    </p:tnLst>
+  </p:timing>
 </p:sld>
 </file>
 
@@ -7809,6 +7843,13 @@
   <p:clrMapOvr>
     <a:masterClrMapping/>
   </p:clrMapOvr>
+  <p:timing>
+    <p:tnLst>
+      <p:par>
+        <p:cTn id="1" dur="indefinite" restart="never" nodeType="tmRoot"/>
+      </p:par>
+    </p:tnLst>
+  </p:timing>
 </p:sld>
 </file>
 
@@ -7893,6 +7934,21 @@
   <p:clrMapOvr>
     <a:masterClrMapping/>
   </p:clrMapOvr>
+  <mc:AlternateContent xmlns:mc="http://schemas.openxmlformats.org/markup-compatibility/2006" xmlns:p14="http://schemas.microsoft.com/office/powerpoint/2010/main">
+    <mc:Choice Requires="p14">
+      <p:transition spd="slow" p14:dur="2000"/>
+    </mc:Choice>
+    <mc:Fallback xmlns="">
+      <p:transition spd="slow"/>
+    </mc:Fallback>
+  </mc:AlternateContent>
+  <p:timing>
+    <p:tnLst>
+      <p:par>
+        <p:cTn id="1" dur="indefinite" restart="never" nodeType="tmRoot"/>
+      </p:par>
+    </p:tnLst>
+  </p:timing>
 </p:sld>
 </file>
 
@@ -7977,6 +8033,21 @@
   <p:clrMapOvr>
     <a:masterClrMapping/>
   </p:clrMapOvr>
+  <mc:AlternateContent xmlns:mc="http://schemas.openxmlformats.org/markup-compatibility/2006" xmlns:p14="http://schemas.microsoft.com/office/powerpoint/2010/main">
+    <mc:Choice Requires="p14">
+      <p:transition spd="slow" p14:dur="2000"/>
+    </mc:Choice>
+    <mc:Fallback xmlns="">
+      <p:transition spd="slow"/>
+    </mc:Fallback>
+  </mc:AlternateContent>
+  <p:timing>
+    <p:tnLst>
+      <p:par>
+        <p:cTn id="1" dur="indefinite" restart="never" nodeType="tmRoot"/>
+      </p:par>
+    </p:tnLst>
+  </p:timing>
 </p:sld>
 </file>
 
@@ -8013,9 +8084,10 @@
           <a:lstStyle/>
           <a:p>
             <a:r>
-              <a:rPr lang="en-US" dirty="0"/>
+              <a:rPr lang="en-US" dirty="0" smtClean="0"/>
               <a:t>Introduction to NLP</a:t>
             </a:r>
+            <a:endParaRPr lang="en-US" dirty="0"/>
           </a:p>
         </p:txBody>
       </p:sp>
@@ -8035,9 +8107,10 @@
           <a:lstStyle/>
           <a:p>
             <a:r>
-              <a:rPr lang="en-US" dirty="0"/>
+              <a:rPr lang="en-US" dirty="0" smtClean="0"/>
               <a:t>Why is NLP hard?</a:t>
             </a:r>
+            <a:endParaRPr lang="en-US" dirty="0"/>
           </a:p>
         </p:txBody>
       </p:sp>
@@ -8051,6 +8124,13 @@
   <p:clrMapOvr>
     <a:masterClrMapping/>
   </p:clrMapOvr>
+  <p:timing>
+    <p:tnLst>
+      <p:par>
+        <p:cTn id="1" dur="indefinite" restart="never" nodeType="tmRoot"/>
+      </p:par>
+    </p:tnLst>
+  </p:timing>
 </p:sld>
 </file>
 
@@ -8141,9 +8221,10 @@
           <a:lstStyle/>
           <a:p>
             <a:r>
-              <a:rPr lang="en-US" dirty="0"/>
+              <a:rPr lang="en-US" dirty="0" smtClean="0"/>
               <a:t>Solution</a:t>
             </a:r>
+            <a:endParaRPr lang="en-US" dirty="0"/>
           </a:p>
         </p:txBody>
       </p:sp>
@@ -8157,6 +8238,13 @@
   <p:clrMapOvr>
     <a:masterClrMapping/>
   </p:clrMapOvr>
+  <p:timing>
+    <p:tnLst>
+      <p:par>
+        <p:cTn id="1" dur="indefinite" restart="never" nodeType="tmRoot"/>
+      </p:par>
+    </p:tnLst>
+  </p:timing>
 </p:sld>
 </file>
 
@@ -8241,6 +8329,13 @@
   <p:clrMapOvr>
     <a:masterClrMapping/>
   </p:clrMapOvr>
+  <p:timing>
+    <p:tnLst>
+      <p:par>
+        <p:cTn id="1" dur="indefinite" restart="never" nodeType="tmRoot"/>
+      </p:par>
+    </p:tnLst>
+  </p:timing>
 </p:sld>
 </file>
 
@@ -8325,6 +8420,13 @@
   <p:clrMapOvr>
     <a:masterClrMapping/>
   </p:clrMapOvr>
+  <p:timing>
+    <p:tnLst>
+      <p:par>
+        <p:cTn id="1" dur="indefinite" restart="never" nodeType="tmRoot"/>
+      </p:par>
+    </p:tnLst>
+  </p:timing>
 </p:sld>
 </file>
 
@@ -8409,6 +8511,13 @@
   <p:clrMapOvr>
     <a:masterClrMapping/>
   </p:clrMapOvr>
+  <p:timing>
+    <p:tnLst>
+      <p:par>
+        <p:cTn id="1" dur="indefinite" restart="never" nodeType="tmRoot"/>
+      </p:par>
+    </p:tnLst>
+  </p:timing>
 </p:sld>
 </file>
 
@@ -8493,6 +8602,21 @@
   <p:clrMapOvr>
     <a:masterClrMapping/>
   </p:clrMapOvr>
+  <mc:AlternateContent xmlns:mc="http://schemas.openxmlformats.org/markup-compatibility/2006" xmlns:p14="http://schemas.microsoft.com/office/powerpoint/2010/main">
+    <mc:Choice Requires="p14">
+      <p:transition spd="slow" p14:dur="2000"/>
+    </mc:Choice>
+    <mc:Fallback xmlns="">
+      <p:transition spd="slow"/>
+    </mc:Fallback>
+  </mc:AlternateContent>
+  <p:timing>
+    <p:tnLst>
+      <p:par>
+        <p:cTn id="1" dur="indefinite" restart="never" nodeType="tmRoot"/>
+      </p:par>
+    </p:tnLst>
+  </p:timing>
 </p:sld>
 </file>
 
@@ -8577,6 +8701,21 @@
   <p:clrMapOvr>
     <a:masterClrMapping/>
   </p:clrMapOvr>
+  <mc:AlternateContent xmlns:mc="http://schemas.openxmlformats.org/markup-compatibility/2006" xmlns:p14="http://schemas.microsoft.com/office/powerpoint/2010/main">
+    <mc:Choice Requires="p14">
+      <p:transition spd="slow" p14:dur="2000"/>
+    </mc:Choice>
+    <mc:Fallback xmlns="">
+      <p:transition spd="slow"/>
+    </mc:Fallback>
+  </mc:AlternateContent>
+  <p:timing>
+    <p:tnLst>
+      <p:par>
+        <p:cTn id="1" dur="indefinite" restart="never" nodeType="tmRoot"/>
+      </p:par>
+    </p:tnLst>
+  </p:timing>
 </p:sld>
 </file>
 
@@ -8613,7 +8752,7 @@
           <a:lstStyle/>
           <a:p>
             <a:r>
-              <a:rPr lang="en-US" altLang="en-US" dirty="0"/>
+              <a:rPr lang="en-US" altLang="en-US" dirty="0" smtClean="0"/>
               <a:t>NACLO Problem</a:t>
             </a:r>
           </a:p>
@@ -8637,24 +8776,24 @@
           <a:lstStyle/>
           <a:p>
             <a:r>
-              <a:rPr lang="en-US" altLang="en-US" sz="2400" dirty="0" err="1"/>
+              <a:rPr lang="en-US" altLang="en-US" sz="2400" dirty="0" err="1" smtClean="0"/>
               <a:t>Fakepapershelfmaker</a:t>
             </a:r>
             <a:r>
-              <a:rPr lang="en-US" altLang="en-US" sz="2400" dirty="0"/>
+              <a:rPr lang="en-US" altLang="en-US" sz="2400" dirty="0" smtClean="0"/>
               <a:t>, by Willie Costello</a:t>
             </a:r>
           </a:p>
           <a:p>
             <a:pPr lvl="1"/>
             <a:r>
-              <a:rPr lang="en-US" altLang="en-US" sz="2000" dirty="0">
+              <a:rPr lang="en-US" altLang="en-US" sz="2000" dirty="0" smtClean="0">
                 <a:hlinkClick r:id="rId2"/>
               </a:rPr>
               <a:t>http://www.nacloweb.org/resources/problems/2008/N2008-F.pdf</a:t>
             </a:r>
             <a:r>
-              <a:rPr lang="en-US" altLang="en-US" sz="2000" dirty="0"/>
+              <a:rPr lang="en-US" altLang="en-US" sz="2000" dirty="0" smtClean="0"/>
               <a:t>    </a:t>
             </a:r>
           </a:p>
@@ -8670,6 +8809,13 @@
   <p:clrMapOvr>
     <a:masterClrMapping/>
   </p:clrMapOvr>
+  <p:timing>
+    <p:tnLst>
+      <p:par>
+        <p:cTn id="1" dur="indefinite" restart="never" nodeType="tmRoot"/>
+      </p:par>
+    </p:tnLst>
+  </p:timing>
 </p:sld>
 </file>
 
@@ -8754,6 +8900,13 @@
   <p:clrMapOvr>
     <a:masterClrMapping/>
   </p:clrMapOvr>
+  <p:timing>
+    <p:tnLst>
+      <p:par>
+        <p:cTn id="1" dur="indefinite" restart="never" nodeType="tmRoot"/>
+      </p:par>
+    </p:tnLst>
+  </p:timing>
 </p:sld>
 </file>
 
@@ -8838,6 +8991,13 @@
   <p:clrMapOvr>
     <a:masterClrMapping/>
   </p:clrMapOvr>
+  <p:timing>
+    <p:tnLst>
+      <p:par>
+        <p:cTn id="1" dur="indefinite" restart="never" nodeType="tmRoot"/>
+      </p:par>
+    </p:tnLst>
+  </p:timing>
 </p:sld>
 </file>
 
@@ -8922,6 +9082,13 @@
   <p:clrMapOvr>
     <a:masterClrMapping/>
   </p:clrMapOvr>
+  <p:timing>
+    <p:tnLst>
+      <p:par>
+        <p:cTn id="1" dur="indefinite" restart="never" nodeType="tmRoot"/>
+      </p:par>
+    </p:tnLst>
+  </p:timing>
 </p:sld>
 </file>
 
@@ -8963,9 +9130,10 @@
           <a:lstStyle/>
           <a:p>
             <a:r>
-              <a:rPr lang="en-US" dirty="0"/>
+              <a:rPr lang="en-US" dirty="0" smtClean="0"/>
               <a:t>Do dogs understand language?</a:t>
             </a:r>
+            <a:endParaRPr lang="en-US" dirty="0"/>
           </a:p>
         </p:txBody>
       </p:sp>
@@ -9129,9 +9297,10 @@
           <a:lstStyle/>
           <a:p>
             <a:r>
-              <a:rPr lang="en-US" dirty="0"/>
+              <a:rPr lang="en-US" dirty="0" smtClean="0"/>
               <a:t>Solution</a:t>
             </a:r>
+            <a:endParaRPr lang="en-US" dirty="0"/>
           </a:p>
         </p:txBody>
       </p:sp>
@@ -9199,6 +9368,13 @@
   <p:clrMapOvr>
     <a:masterClrMapping/>
   </p:clrMapOvr>
+  <p:timing>
+    <p:tnLst>
+      <p:par>
+        <p:cTn id="1" dur="indefinite" restart="never" nodeType="tmRoot"/>
+      </p:par>
+    </p:tnLst>
+  </p:timing>
 </p:sld>
 </file>
 
@@ -9283,6 +9459,13 @@
   <p:clrMapOvr>
     <a:masterClrMapping/>
   </p:clrMapOvr>
+  <p:timing>
+    <p:tnLst>
+      <p:par>
+        <p:cTn id="1" dur="indefinite" restart="never" nodeType="tmRoot"/>
+      </p:par>
+    </p:tnLst>
+  </p:timing>
 </p:sld>
 </file>
 
@@ -9367,6 +9550,13 @@
   <p:clrMapOvr>
     <a:masterClrMapping/>
   </p:clrMapOvr>
+  <p:timing>
+    <p:tnLst>
+      <p:par>
+        <p:cTn id="1" dur="indefinite" restart="never" nodeType="tmRoot"/>
+      </p:par>
+    </p:tnLst>
+  </p:timing>
 </p:sld>
 </file>
 
@@ -9403,7 +9593,7 @@
           <a:lstStyle/>
           <a:p>
             <a:r>
-              <a:rPr lang="en-US" altLang="en-US" dirty="0"/>
+              <a:rPr lang="en-US" altLang="en-US" dirty="0" smtClean="0"/>
               <a:t>NACLO Problem Solutions</a:t>
             </a:r>
           </a:p>
@@ -9432,44 +9622,44 @@
           <a:lstStyle/>
           <a:p>
             <a:r>
-              <a:rPr lang="en-US" altLang="en-US" sz="2400" dirty="0"/>
+              <a:rPr lang="en-US" altLang="en-US" sz="2400" dirty="0" smtClean="0"/>
               <a:t>One Two Tree</a:t>
             </a:r>
           </a:p>
           <a:p>
             <a:pPr lvl="1"/>
             <a:r>
-              <a:rPr lang="en-US" altLang="en-US" sz="2000" dirty="0">
+              <a:rPr lang="en-US" altLang="en-US" sz="2000" dirty="0" smtClean="0">
                 <a:hlinkClick r:id="rId2"/>
               </a:rPr>
               <a:t>http://www.nacloweb.org/resources/problems/2012/N2012-RS.pdf</a:t>
             </a:r>
             <a:r>
-              <a:rPr lang="en-US" altLang="en-US" sz="2000" dirty="0"/>
+              <a:rPr lang="en-US" altLang="en-US" sz="2000" dirty="0" smtClean="0"/>
               <a:t>  ‎</a:t>
             </a:r>
-            <a:endParaRPr lang="en-US" altLang="en-US" dirty="0"/>
-          </a:p>
-          <a:p>
-            <a:r>
-              <a:rPr lang="en-US" altLang="en-US" sz="2400" dirty="0" err="1"/>
+            <a:endParaRPr lang="en-US" altLang="en-US" dirty="0" smtClean="0"/>
+          </a:p>
+          <a:p>
+            <a:r>
+              <a:rPr lang="en-US" altLang="en-US" sz="2400" dirty="0" err="1" smtClean="0"/>
               <a:t>Fakepapershelfmaker</a:t>
             </a:r>
             <a:r>
-              <a:rPr lang="en-US" altLang="en-US" sz="2000" dirty="0"/>
+              <a:rPr lang="en-US" altLang="en-US" sz="2000" dirty="0" smtClean="0"/>
               <a:t> </a:t>
             </a:r>
           </a:p>
           <a:p>
             <a:pPr lvl="1"/>
             <a:r>
-              <a:rPr lang="en-US" altLang="en-US" sz="2000" dirty="0">
+              <a:rPr lang="en-US" altLang="en-US" sz="2000" dirty="0" smtClean="0">
                 <a:hlinkClick r:id="rId3"/>
               </a:rPr>
               <a:t>http://www.nacloweb.org/resources/problems/2008/N2008-FS.pdf</a:t>
             </a:r>
             <a:r>
-              <a:rPr lang="en-US" altLang="en-US" sz="2000" dirty="0"/>
+              <a:rPr lang="en-US" altLang="en-US" sz="2000" dirty="0" smtClean="0"/>
               <a:t>  </a:t>
             </a:r>
           </a:p>
@@ -9485,6 +9675,13 @@
   <p:clrMapOvr>
     <a:masterClrMapping/>
   </p:clrMapOvr>
+  <p:timing>
+    <p:tnLst>
+      <p:par>
+        <p:cTn id="1" dur="indefinite" restart="never" nodeType="tmRoot"/>
+      </p:par>
+    </p:tnLst>
+  </p:timing>
 </p:sld>
 </file>
 
@@ -9522,7 +9719,7 @@
           <a:p>
             <a:pPr eaLnBrk="1" hangingPunct="1"/>
             <a:r>
-              <a:rPr lang="en-US" altLang="en-US" dirty="0"/>
+              <a:rPr lang="en-US" altLang="en-US" dirty="0" smtClean="0"/>
               <a:t>Types of Ambiguity</a:t>
             </a:r>
           </a:p>
@@ -9552,84 +9749,84 @@
           <a:p>
             <a:pPr eaLnBrk="1" hangingPunct="1"/>
             <a:r>
-              <a:rPr lang="en-US" altLang="en-US" sz="2000" dirty="0"/>
+              <a:rPr lang="en-US" altLang="en-US" sz="2000" dirty="0" smtClean="0"/>
               <a:t>Morphological: </a:t>
             </a:r>
           </a:p>
           <a:p>
             <a:pPr lvl="1"/>
             <a:r>
-              <a:rPr lang="en-US" altLang="en-US" sz="1400" dirty="0"/>
+              <a:rPr lang="en-US" altLang="en-US" sz="1400" dirty="0" smtClean="0"/>
               <a:t>Joe is quite impossible. Joe is quite important.</a:t>
             </a:r>
           </a:p>
           <a:p>
             <a:pPr eaLnBrk="1" hangingPunct="1"/>
             <a:r>
-              <a:rPr lang="en-US" altLang="en-US" sz="2000" dirty="0"/>
+              <a:rPr lang="en-US" altLang="en-US" sz="2000" dirty="0" smtClean="0"/>
               <a:t>Phonetic: </a:t>
             </a:r>
           </a:p>
           <a:p>
             <a:pPr lvl="1"/>
             <a:r>
-              <a:rPr lang="en-US" altLang="en-US" sz="1400" dirty="0"/>
+              <a:rPr lang="en-US" altLang="en-US" sz="1400" dirty="0" smtClean="0"/>
               <a:t>Joe’s finger got number.</a:t>
             </a:r>
           </a:p>
           <a:p>
             <a:pPr eaLnBrk="1" hangingPunct="1"/>
             <a:r>
-              <a:rPr lang="en-US" altLang="en-US" sz="2000" dirty="0"/>
+              <a:rPr lang="en-US" altLang="en-US" sz="2000" dirty="0" smtClean="0"/>
               <a:t>Part of speech: </a:t>
             </a:r>
           </a:p>
           <a:p>
             <a:pPr lvl="1"/>
             <a:r>
-              <a:rPr lang="en-US" altLang="en-US" sz="1400" dirty="0"/>
+              <a:rPr lang="en-US" altLang="en-US" sz="1400" dirty="0" smtClean="0"/>
               <a:t>Joe won the first round.</a:t>
             </a:r>
           </a:p>
           <a:p>
             <a:pPr eaLnBrk="1" hangingPunct="1"/>
             <a:r>
-              <a:rPr lang="en-US" altLang="en-US" sz="2000" dirty="0"/>
+              <a:rPr lang="en-US" altLang="en-US" sz="2000" dirty="0" smtClean="0"/>
               <a:t>Syntactic: </a:t>
             </a:r>
           </a:p>
           <a:p>
             <a:pPr lvl="1"/>
             <a:r>
-              <a:rPr lang="en-US" altLang="en-US" sz="1400" dirty="0"/>
+              <a:rPr lang="en-US" altLang="en-US" sz="1400" dirty="0" smtClean="0"/>
               <a:t>Call Joe a taxi.</a:t>
             </a:r>
           </a:p>
           <a:p>
             <a:pPr eaLnBrk="1" hangingPunct="1"/>
             <a:r>
-              <a:rPr lang="en-US" altLang="en-US" sz="2000" dirty="0"/>
+              <a:rPr lang="en-US" altLang="en-US" sz="2000" dirty="0" smtClean="0"/>
               <a:t>Prepositional phrase attachment: </a:t>
             </a:r>
           </a:p>
           <a:p>
             <a:pPr lvl="1"/>
             <a:r>
-              <a:rPr lang="en-US" altLang="en-US" sz="1400" dirty="0"/>
+              <a:rPr lang="en-US" altLang="en-US" sz="1400" dirty="0" smtClean="0"/>
               <a:t>Joe ate pizza with a fork / with meatballs / with Samantha / with pleasure.</a:t>
             </a:r>
           </a:p>
           <a:p>
             <a:pPr eaLnBrk="1" hangingPunct="1"/>
             <a:r>
-              <a:rPr lang="en-US" altLang="en-US" sz="2000" dirty="0"/>
+              <a:rPr lang="en-US" altLang="en-US" sz="2000" dirty="0" smtClean="0"/>
               <a:t>Sense: </a:t>
             </a:r>
           </a:p>
           <a:p>
             <a:pPr lvl="1"/>
             <a:r>
-              <a:rPr lang="en-US" altLang="en-US" sz="1400" dirty="0"/>
+              <a:rPr lang="en-US" altLang="en-US" sz="1400" dirty="0" smtClean="0"/>
               <a:t>Joe took the bar exam.</a:t>
             </a:r>
           </a:p>
@@ -10303,7 +10500,7 @@
           <a:p>
             <a:pPr eaLnBrk="1" hangingPunct="1"/>
             <a:r>
-              <a:rPr lang="en-US" altLang="en-US" dirty="0"/>
+              <a:rPr lang="en-US" altLang="en-US" dirty="0" smtClean="0"/>
               <a:t>Other Sources of Difficulty</a:t>
             </a:r>
           </a:p>
@@ -10337,7 +10534,7 @@
               </a:lnSpc>
             </a:pPr>
             <a:r>
-              <a:rPr lang="en-US" altLang="en-US" sz="1800" dirty="0"/>
+              <a:rPr lang="en-US" altLang="en-US" sz="1800" dirty="0" smtClean="0"/>
               <a:t>Subjectivity: </a:t>
             </a:r>
           </a:p>
@@ -10348,7 +10545,7 @@
               </a:lnSpc>
             </a:pPr>
             <a:r>
-              <a:rPr lang="en-US" altLang="en-US" sz="1300" dirty="0"/>
+              <a:rPr lang="en-US" altLang="en-US" sz="1300" dirty="0" smtClean="0"/>
               <a:t>Joe believes that stocks will rise.</a:t>
             </a:r>
           </a:p>
@@ -10359,7 +10556,7 @@
               </a:lnSpc>
             </a:pPr>
             <a:r>
-              <a:rPr lang="en-US" altLang="en-US" sz="1800" dirty="0"/>
+              <a:rPr lang="en-US" altLang="en-US" sz="1800" dirty="0" smtClean="0"/>
               <a:t>Cc attachment: </a:t>
             </a:r>
           </a:p>
@@ -10370,7 +10567,7 @@
               </a:lnSpc>
             </a:pPr>
             <a:r>
-              <a:rPr lang="en-US" altLang="en-US" sz="1300" dirty="0"/>
+              <a:rPr lang="en-US" altLang="en-US" sz="1300" dirty="0" smtClean="0"/>
               <a:t>Joe likes ripe apples and pears.</a:t>
             </a:r>
           </a:p>
@@ -10381,7 +10578,7 @@
               </a:lnSpc>
             </a:pPr>
             <a:r>
-              <a:rPr lang="en-US" altLang="en-US" sz="1800" dirty="0"/>
+              <a:rPr lang="en-US" altLang="en-US" sz="1800" dirty="0" smtClean="0"/>
               <a:t>Negation: </a:t>
             </a:r>
           </a:p>
@@ -10392,7 +10589,7 @@
               </a:lnSpc>
             </a:pPr>
             <a:r>
-              <a:rPr lang="en-US" altLang="en-US" sz="1300" dirty="0"/>
+              <a:rPr lang="en-US" altLang="en-US" sz="1300" dirty="0" smtClean="0"/>
               <a:t>Joe likes his pizza with no cheese and tomatoes.</a:t>
             </a:r>
           </a:p>
@@ -10403,7 +10600,7 @@
               </a:lnSpc>
             </a:pPr>
             <a:r>
-              <a:rPr lang="en-US" altLang="en-US" sz="1800" dirty="0"/>
+              <a:rPr lang="en-US" altLang="en-US" sz="1800" dirty="0" smtClean="0"/>
               <a:t>Referential: </a:t>
             </a:r>
           </a:p>
@@ -10414,7 +10611,7 @@
               </a:lnSpc>
             </a:pPr>
             <a:r>
-              <a:rPr lang="en-US" altLang="en-US" sz="1300" dirty="0"/>
+              <a:rPr lang="en-US" altLang="en-US" sz="1300" dirty="0" smtClean="0"/>
               <a:t>Joe yelled at Mike. He had broken the bike.</a:t>
             </a:r>
           </a:p>
@@ -10425,7 +10622,7 @@
               </a:lnSpc>
             </a:pPr>
             <a:r>
-              <a:rPr lang="en-US" altLang="en-US" sz="1300" dirty="0"/>
+              <a:rPr lang="en-US" altLang="en-US" sz="1300" dirty="0" smtClean="0"/>
               <a:t>Joe yelled at Mike. He was angry at him.</a:t>
             </a:r>
           </a:p>
@@ -10436,7 +10633,7 @@
               </a:lnSpc>
             </a:pPr>
             <a:r>
-              <a:rPr lang="en-US" altLang="en-US" sz="1800" dirty="0"/>
+              <a:rPr lang="en-US" altLang="en-US" sz="1800" dirty="0" smtClean="0"/>
               <a:t>Reflexive: </a:t>
             </a:r>
           </a:p>
@@ -10447,7 +10644,7 @@
               </a:lnSpc>
             </a:pPr>
             <a:r>
-              <a:rPr lang="en-US" altLang="en-US" sz="1300" dirty="0"/>
+              <a:rPr lang="en-US" altLang="en-US" sz="1300" dirty="0" smtClean="0"/>
               <a:t>John bought him a present. </a:t>
             </a:r>
           </a:p>
@@ -10458,7 +10655,7 @@
               </a:lnSpc>
             </a:pPr>
             <a:r>
-              <a:rPr lang="en-US" altLang="en-US" sz="1300" dirty="0"/>
+              <a:rPr lang="en-US" altLang="en-US" sz="1300" dirty="0" smtClean="0"/>
               <a:t>John bought himself a present.</a:t>
             </a:r>
           </a:p>
@@ -10469,7 +10666,7 @@
               </a:lnSpc>
             </a:pPr>
             <a:r>
-              <a:rPr lang="en-US" altLang="en-US" sz="1800" dirty="0"/>
+              <a:rPr lang="en-US" altLang="en-US" sz="1800" dirty="0" smtClean="0"/>
               <a:t>Ellipsis and parallelism: </a:t>
             </a:r>
           </a:p>
@@ -10480,7 +10677,7 @@
               </a:lnSpc>
             </a:pPr>
             <a:r>
-              <a:rPr lang="en-US" altLang="en-US" sz="1300" dirty="0"/>
+              <a:rPr lang="en-US" altLang="en-US" sz="1300" dirty="0" smtClean="0"/>
               <a:t>Joe gave Mike a beer and Jeremy a glass of wine.</a:t>
             </a:r>
           </a:p>
@@ -10491,7 +10688,7 @@
               </a:lnSpc>
             </a:pPr>
             <a:r>
-              <a:rPr lang="en-US" altLang="en-US" sz="1800" dirty="0"/>
+              <a:rPr lang="en-US" altLang="en-US" sz="1800" dirty="0" smtClean="0"/>
               <a:t>Metonymy: </a:t>
             </a:r>
           </a:p>
@@ -10502,7 +10699,7 @@
               </a:lnSpc>
             </a:pPr>
             <a:r>
-              <a:rPr lang="en-US" altLang="en-US" sz="1300" dirty="0"/>
+              <a:rPr lang="en-US" altLang="en-US" sz="1300" dirty="0" smtClean="0"/>
               <a:t>Boston called and left a message for Joe.</a:t>
             </a:r>
           </a:p>
@@ -11372,7 +11569,7 @@
           <a:p>
             <a:pPr eaLnBrk="1" hangingPunct="1"/>
             <a:r>
-              <a:rPr lang="en-US" altLang="en-US" dirty="0"/>
+              <a:rPr lang="en-US" altLang="en-US" dirty="0" smtClean="0"/>
               <a:t>Other Sources of Difficulties</a:t>
             </a:r>
           </a:p>
@@ -11402,138 +11599,138 @@
           <a:p>
             <a:pPr eaLnBrk="1" hangingPunct="1"/>
             <a:r>
-              <a:rPr lang="en-US" altLang="en-US" sz="1600" dirty="0"/>
+              <a:rPr lang="en-US" altLang="en-US" sz="1600" dirty="0" smtClean="0"/>
               <a:t>Non-standard, slang, and novel words and usages</a:t>
             </a:r>
           </a:p>
           <a:p>
             <a:pPr lvl="1" eaLnBrk="1" hangingPunct="1"/>
             <a:r>
-              <a:rPr lang="en-US" altLang="en-US" sz="1200" dirty="0"/>
+              <a:rPr lang="en-US" altLang="en-US" sz="1200" dirty="0" smtClean="0"/>
               <a:t>A360, 7342.67, +1-646-555-2223</a:t>
             </a:r>
           </a:p>
           <a:p>
             <a:pPr lvl="1" eaLnBrk="1" hangingPunct="1"/>
             <a:r>
-              <a:rPr lang="en-US" altLang="en-US" sz="1200" dirty="0"/>
+              <a:rPr lang="en-US" altLang="en-US" sz="1200" dirty="0" smtClean="0"/>
               <a:t>“spam” or “friend” as verbs</a:t>
             </a:r>
           </a:p>
           <a:p>
             <a:pPr lvl="1" eaLnBrk="1" hangingPunct="1"/>
             <a:r>
-              <a:rPr lang="en-US" altLang="en-US" sz="1200" dirty="0"/>
+              <a:rPr lang="en-US" altLang="en-US" sz="1200" dirty="0" smtClean="0"/>
               <a:t>yolo, selfie, chillax – recently recognized as dictionary words</a:t>
             </a:r>
           </a:p>
           <a:p>
             <a:pPr lvl="1" eaLnBrk="1" hangingPunct="1"/>
             <a:r>
-              <a:rPr lang="en-US" altLang="en-US" sz="1200" dirty="0">
+              <a:rPr lang="en-US" altLang="en-US" sz="1200" dirty="0" smtClean="0">
                 <a:hlinkClick r:id="rId3"/>
               </a:rPr>
               <a:t>www.urbandictionary.com</a:t>
             </a:r>
             <a:r>
-              <a:rPr lang="en-US" altLang="en-US" sz="1200" dirty="0"/>
+              <a:rPr lang="en-US" altLang="en-US" sz="1200" dirty="0" smtClean="0"/>
               <a:t> – (Parental Warning!)</a:t>
             </a:r>
           </a:p>
           <a:p>
             <a:pPr eaLnBrk="1" hangingPunct="1"/>
             <a:r>
-              <a:rPr lang="en-US" altLang="en-US" sz="1600" dirty="0"/>
+              <a:rPr lang="en-US" altLang="en-US" sz="1600" dirty="0" smtClean="0"/>
               <a:t>Inconsistencies</a:t>
             </a:r>
           </a:p>
           <a:p>
             <a:pPr lvl="1" eaLnBrk="1" hangingPunct="1"/>
             <a:r>
-              <a:rPr lang="en-US" altLang="en-US" sz="1200" dirty="0"/>
+              <a:rPr lang="en-US" altLang="en-US" sz="1200" dirty="0" smtClean="0"/>
               <a:t>junior college, college junior</a:t>
             </a:r>
           </a:p>
           <a:p>
             <a:pPr lvl="1" eaLnBrk="1" hangingPunct="1"/>
             <a:r>
-              <a:rPr lang="en-US" altLang="en-US" sz="1200" dirty="0"/>
+              <a:rPr lang="en-US" altLang="en-US" sz="1200" dirty="0" smtClean="0"/>
               <a:t>pet spray, pet llama</a:t>
             </a:r>
           </a:p>
           <a:p>
             <a:r>
-              <a:rPr lang="en-US" altLang="en-US" sz="1600" dirty="0" err="1"/>
+              <a:rPr lang="en-US" altLang="en-US" sz="1600" dirty="0" err="1" smtClean="0"/>
               <a:t>Typoes</a:t>
             </a:r>
             <a:r>
-              <a:rPr lang="en-US" altLang="en-US" sz="1600" dirty="0"/>
+              <a:rPr lang="en-US" altLang="en-US" sz="1600" dirty="0" smtClean="0"/>
               <a:t> and </a:t>
             </a:r>
             <a:r>
-              <a:rPr lang="en-US" altLang="en-US" sz="1600" dirty="0" err="1"/>
+              <a:rPr lang="en-US" altLang="en-US" sz="1600" dirty="0" err="1" smtClean="0"/>
               <a:t>gramattical</a:t>
             </a:r>
             <a:r>
-              <a:rPr lang="en-US" altLang="en-US" sz="1600" dirty="0"/>
+              <a:rPr lang="en-US" altLang="en-US" sz="1600" dirty="0" smtClean="0"/>
               <a:t> </a:t>
             </a:r>
             <a:r>
-              <a:rPr lang="en-US" altLang="en-US" sz="1600" dirty="0" err="1"/>
+              <a:rPr lang="en-US" altLang="en-US" sz="1600" dirty="0" err="1" smtClean="0"/>
               <a:t>erorz</a:t>
             </a:r>
             <a:r>
-              <a:rPr lang="en-US" altLang="en-US" sz="1600" dirty="0"/>
+              <a:rPr lang="en-US" altLang="en-US" sz="1600" dirty="0" smtClean="0"/>
               <a:t> </a:t>
             </a:r>
             <a:r>
-              <a:rPr lang="en-US" altLang="en-US" sz="1600" dirty="0">
+              <a:rPr lang="en-US" altLang="en-US" sz="1600" dirty="0" smtClean="0">
                 <a:sym typeface="Wingdings" panose="05000000000000000000" pitchFamily="2" charset="2"/>
               </a:rPr>
               <a:t></a:t>
             </a:r>
-            <a:endParaRPr lang="en-US" altLang="en-US" sz="1600" dirty="0"/>
+            <a:endParaRPr lang="en-US" altLang="en-US" sz="1600" dirty="0" smtClean="0"/>
           </a:p>
           <a:p>
             <a:pPr lvl="1"/>
             <a:r>
-              <a:rPr lang="en-US" altLang="en-US" sz="1200" dirty="0" err="1"/>
+              <a:rPr lang="en-US" altLang="en-US" sz="1200" dirty="0" err="1" smtClean="0"/>
               <a:t>reciept</a:t>
             </a:r>
             <a:r>
-              <a:rPr lang="en-US" altLang="en-US" sz="1200" dirty="0"/>
+              <a:rPr lang="en-US" altLang="en-US" sz="1200" dirty="0" smtClean="0"/>
               <a:t>, John Hopkins, should of</a:t>
             </a:r>
           </a:p>
           <a:p>
             <a:pPr eaLnBrk="1" hangingPunct="1"/>
             <a:r>
-              <a:rPr lang="en-US" altLang="en-US" sz="1600" dirty="0"/>
+              <a:rPr lang="en-US" altLang="en-US" sz="1600" dirty="0" smtClean="0"/>
               <a:t>Parsing problems</a:t>
             </a:r>
           </a:p>
           <a:p>
             <a:pPr lvl="1"/>
             <a:r>
-              <a:rPr lang="en-US" altLang="en-US" sz="1400" dirty="0" err="1"/>
+              <a:rPr lang="en-US" altLang="en-US" sz="1400" dirty="0" err="1" smtClean="0"/>
               <a:t>Selbständigkeit</a:t>
             </a:r>
             <a:r>
-              <a:rPr lang="en-US" altLang="en-US" sz="1400" dirty="0"/>
+              <a:rPr lang="en-US" altLang="en-US" sz="1400" dirty="0" smtClean="0"/>
               <a:t> (self-reliance)</a:t>
             </a:r>
           </a:p>
           <a:p>
             <a:pPr lvl="1" eaLnBrk="1" hangingPunct="1"/>
             <a:r>
-              <a:rPr lang="en-US" altLang="en-US" sz="1400" dirty="0"/>
+              <a:rPr lang="en-US" altLang="en-US" sz="1400" dirty="0" smtClean="0"/>
               <a:t>cup holder</a:t>
             </a:r>
           </a:p>
           <a:p>
             <a:pPr lvl="1" eaLnBrk="1" hangingPunct="1"/>
             <a:r>
-              <a:rPr lang="en-US" altLang="en-US" sz="1400" dirty="0"/>
+              <a:rPr lang="en-US" altLang="en-US" sz="1400" dirty="0" smtClean="0"/>
               <a:t>Federal Reserve Board Chairman</a:t>
             </a:r>
           </a:p>
@@ -12304,7 +12501,7 @@
           <a:lstStyle/>
           <a:p>
             <a:r>
-              <a:rPr lang="en-US" altLang="en-US" dirty="0"/>
+              <a:rPr lang="en-US" altLang="en-US" dirty="0" smtClean="0"/>
               <a:t>Other Sources of Difficulties</a:t>
             </a:r>
           </a:p>
@@ -12333,81 +12530,86 @@
           <a:lstStyle/>
           <a:p>
             <a:r>
+              <a:rPr lang="en-US" altLang="en-US" sz="2000" dirty="0" smtClean="0"/>
+              <a:t>Complex sentences</a:t>
+            </a:r>
+          </a:p>
+          <a:p>
+            <a:r>
+              <a:rPr lang="en-US" altLang="en-US" sz="2000" dirty="0" smtClean="0"/>
+              <a:t>Counterfactual sentences</a:t>
+            </a:r>
+          </a:p>
+          <a:p>
+            <a:r>
+              <a:rPr lang="en-US" altLang="en-US" sz="2000" dirty="0" smtClean="0"/>
+              <a:t>Humor and sarcasm</a:t>
+            </a:r>
+          </a:p>
+          <a:p>
+            <a:r>
+              <a:rPr lang="en-US" altLang="en-US" sz="2000" dirty="0" err="1" smtClean="0"/>
+              <a:t>Implicature</a:t>
+            </a:r>
+            <a:r>
+              <a:rPr lang="en-US" altLang="en-US" sz="2000" dirty="0" smtClean="0"/>
+              <a:t>/inference/world knowledge: </a:t>
+            </a:r>
+          </a:p>
+          <a:p>
+            <a:pPr lvl="1"/>
+            <a:r>
+              <a:rPr lang="en-US" altLang="en-US" sz="1400" dirty="0" smtClean="0"/>
+              <a:t>I was late because my car broke down. </a:t>
+            </a:r>
+            <a:endParaRPr lang="en-US" altLang="en-US" sz="1400" dirty="0"/>
+          </a:p>
+          <a:p>
+            <a:pPr lvl="1"/>
+            <a:r>
+              <a:rPr lang="en-US" altLang="en-US" sz="1400" dirty="0" smtClean="0"/>
+              <a:t>Implies I have a car, I use the car to get to places, the car has wheels, etc.</a:t>
+            </a:r>
+          </a:p>
+          <a:p>
+            <a:pPr lvl="1"/>
+            <a:r>
+              <a:rPr lang="en-US" altLang="en-US" sz="1400" dirty="0" smtClean="0"/>
+              <a:t>What is not explicitly mentioned, what is world knowledge?</a:t>
+            </a:r>
+          </a:p>
+          <a:p>
+            <a:r>
+              <a:rPr lang="en-US" altLang="en-US" sz="2000" dirty="0" smtClean="0"/>
+              <a:t>Semantics vs. pragmatics </a:t>
+            </a:r>
+          </a:p>
+          <a:p>
+            <a:pPr lvl="1"/>
+            <a:r>
+              <a:rPr lang="en-US" altLang="en-US" sz="1400" dirty="0" smtClean="0"/>
+              <a:t>Do you know the time?</a:t>
+            </a:r>
+          </a:p>
+          <a:p>
+            <a:r>
               <a:rPr lang="en-US" altLang="en-US" sz="2000" dirty="0"/>
-              <a:t>Complex sentences</a:t>
-            </a:r>
-          </a:p>
-          <a:p>
-            <a:r>
-              <a:rPr lang="en-US" altLang="en-US" sz="2000" dirty="0"/>
-              <a:t>Counterfactual sentences</a:t>
-            </a:r>
-          </a:p>
-          <a:p>
-            <a:r>
-              <a:rPr lang="en-US" altLang="en-US" sz="2000" dirty="0"/>
-              <a:t>Humor and sarcasm</a:t>
-            </a:r>
-          </a:p>
-          <a:p>
-            <a:r>
-              <a:rPr lang="en-US" altLang="en-US" sz="2000" dirty="0" err="1"/>
-              <a:t>Implicature</a:t>
-            </a:r>
-            <a:r>
-              <a:rPr lang="en-US" altLang="en-US" sz="2000" dirty="0"/>
-              <a:t>/inference/world knowledge: </a:t>
+              <a:t>L</a:t>
+            </a:r>
+            <a:r>
+              <a:rPr lang="en-US" altLang="en-US" sz="2000" dirty="0" smtClean="0"/>
+              <a:t>anguage is hard even for humans </a:t>
             </a:r>
           </a:p>
           <a:p>
             <a:pPr lvl="1"/>
             <a:r>
-              <a:rPr lang="en-US" altLang="en-US" sz="1400" dirty="0"/>
-              <a:t>I was late because my car broke down. </a:t>
-            </a:r>
-          </a:p>
-          <a:p>
-            <a:pPr lvl="1"/>
-            <a:r>
-              <a:rPr lang="en-US" altLang="en-US" sz="1400" dirty="0"/>
-              <a:t>Implies I have a car, I use the car to get to places, the car has wheels, etc.</a:t>
-            </a:r>
-          </a:p>
-          <a:p>
-            <a:pPr lvl="1"/>
-            <a:r>
-              <a:rPr lang="en-US" altLang="en-US" sz="1400" dirty="0"/>
-              <a:t>What is not explicitly mentioned, what is world knowledge?</a:t>
-            </a:r>
-          </a:p>
-          <a:p>
-            <a:r>
-              <a:rPr lang="en-US" altLang="en-US" sz="2000" dirty="0"/>
-              <a:t>Semantics vs. pragmatics </a:t>
-            </a:r>
-          </a:p>
-          <a:p>
-            <a:pPr lvl="1"/>
-            <a:r>
-              <a:rPr lang="en-US" altLang="en-US" sz="1400" dirty="0"/>
-              <a:t>Do you know the time?</a:t>
-            </a:r>
-          </a:p>
-          <a:p>
-            <a:r>
-              <a:rPr lang="en-US" altLang="en-US" sz="2000" dirty="0"/>
-              <a:t>Language is hard even for humans </a:t>
-            </a:r>
-          </a:p>
-          <a:p>
-            <a:pPr lvl="1"/>
-            <a:r>
-              <a:rPr lang="en-US" altLang="en-US" sz="1500" dirty="0"/>
+              <a:rPr lang="en-US" altLang="en-US" sz="1500" dirty="0" smtClean="0"/>
               <a:t>Both first language and second language</a:t>
             </a:r>
           </a:p>
           <a:p>
-            <a:endParaRPr lang="en-US" altLang="en-US" sz="2000" dirty="0"/>
+            <a:endParaRPr lang="en-US" altLang="en-US" sz="2000" dirty="0" smtClean="0"/>
           </a:p>
         </p:txBody>
       </p:sp>
@@ -13031,8 +13233,13 @@
             <a:pPr eaLnBrk="1" hangingPunct="1"/>
             <a:r>
               <a:rPr lang="en-US" altLang="en-US" dirty="0"/>
-              <a:t>Synonyms and Paraphrases</a:t>
-            </a:r>
+              <a:t>Synonyms and </a:t>
+            </a:r>
+            <a:r>
+              <a:rPr lang="en-US" altLang="en-US" dirty="0" smtClean="0"/>
+              <a:t>Paraphrases</a:t>
+            </a:r>
+            <a:endParaRPr lang="en-US" altLang="en-US" dirty="0"/>
           </a:p>
         </p:txBody>
       </p:sp>
@@ -13214,7 +13421,31 @@
               <a:rPr lang="en-US" altLang="en-US" sz="1600" dirty="0">
                 <a:latin typeface="Arial" pitchFamily="34" charset="0"/>
               </a:rPr>
-              <a:t>The S&amp;P 500 climbed 6.93, or 0.56 percent, to 1,243.72,          its best close     since June 12, 2001. </a:t>
+              <a:t>The S&amp;P 500 climbed 6.93, or 0.56 percent, to 1,243.72,        </a:t>
+            </a:r>
+            <a:r>
+              <a:rPr lang="en-US" altLang="en-US" sz="1600" dirty="0" smtClean="0">
+                <a:latin typeface="Arial" pitchFamily="34" charset="0"/>
+              </a:rPr>
+              <a:t>  its </a:t>
+            </a:r>
+            <a:r>
+              <a:rPr lang="en-US" altLang="en-US" sz="1600" dirty="0">
+                <a:latin typeface="Arial" pitchFamily="34" charset="0"/>
+              </a:rPr>
+              <a:t>best close  </a:t>
+            </a:r>
+            <a:r>
+              <a:rPr lang="en-US" altLang="en-US" sz="1600" dirty="0" smtClean="0">
+                <a:latin typeface="Arial" pitchFamily="34" charset="0"/>
+              </a:rPr>
+              <a:t>   </a:t>
+            </a:r>
+            <a:r>
+              <a:rPr lang="en-US" altLang="en-US" sz="1600" dirty="0">
+                <a:latin typeface="Arial" pitchFamily="34" charset="0"/>
+              </a:rPr>
+              <a:t>since June 12, 2001. </a:t>
             </a:r>
           </a:p>
           <a:p>
@@ -13241,7 +13472,19 @@
               <a:rPr lang="en-US" altLang="en-US" sz="1600" dirty="0">
                 <a:latin typeface="Arial" pitchFamily="34" charset="0"/>
               </a:rPr>
-              <a:t>  The Nasdaq  gained 12.22, or 0.56 percent, to 2,198.44  for  its best showing since June 8, 2001.</a:t>
+              <a:t>  The Nasdaq  gained 12.22, or 0.56 percent, to 2,198.44  </a:t>
+            </a:r>
+            <a:r>
+              <a:rPr lang="en-US" altLang="en-US" sz="1600" dirty="0" smtClean="0">
+                <a:latin typeface="Arial" pitchFamily="34" charset="0"/>
+              </a:rPr>
+              <a:t>for  </a:t>
+            </a:r>
+            <a:r>
+              <a:rPr lang="en-US" altLang="en-US" sz="1600" dirty="0">
+                <a:latin typeface="Arial" pitchFamily="34" charset="0"/>
+              </a:rPr>
+              <a:t>its best showing since June 8, 2001.</a:t>
             </a:r>
           </a:p>
           <a:p>
@@ -13268,7 +13511,19 @@
               <a:rPr lang="en-US" altLang="en-US" sz="1600" dirty="0">
                 <a:latin typeface="Arial" pitchFamily="34" charset="0"/>
               </a:rPr>
-              <a:t>      The DJIA     rose  68.46, or 0.64 percent, to 10,705.55,      its highest level    since March 15.</a:t>
+              <a:t>      The DJIA     rose  68.46, or 0.64 percent, to 10,705.55,    </a:t>
+            </a:r>
+            <a:r>
+              <a:rPr lang="en-US" altLang="en-US" sz="1600" dirty="0" smtClean="0">
+                <a:latin typeface="Arial" pitchFamily="34" charset="0"/>
+              </a:rPr>
+              <a:t>  its </a:t>
+            </a:r>
+            <a:r>
+              <a:rPr lang="en-US" altLang="en-US" sz="1600" dirty="0">
+                <a:latin typeface="Arial" pitchFamily="34" charset="0"/>
+              </a:rPr>
+              <a:t>highest level    since March 15.</a:t>
             </a:r>
           </a:p>
         </p:txBody>
@@ -13283,6 +13538,14 @@
   <p:clrMapOvr>
     <a:masterClrMapping/>
   </p:clrMapOvr>
+  <mc:AlternateContent xmlns:mc="http://schemas.openxmlformats.org/markup-compatibility/2006" xmlns:p14="http://schemas.microsoft.com/office/powerpoint/2010/main">
+    <mc:Choice Requires="p14">
+      <p:transition spd="slow" p14:dur="2000"/>
+    </mc:Choice>
+    <mc:Fallback xmlns="">
+      <p:transition spd="slow"/>
+    </mc:Fallback>
+  </mc:AlternateContent>
   <p:timing>
     <p:tnLst>
       <p:par>
@@ -13399,8 +13662,13 @@
             <a:pPr eaLnBrk="1" hangingPunct="1"/>
             <a:r>
               <a:rPr lang="en-US" altLang="en-US" dirty="0"/>
-              <a:t>Synonyms and Paraphrases</a:t>
-            </a:r>
+              <a:t>Synonyms and </a:t>
+            </a:r>
+            <a:r>
+              <a:rPr lang="en-US" altLang="en-US" dirty="0" smtClean="0"/>
+              <a:t>Paraphrases</a:t>
+            </a:r>
+            <a:endParaRPr lang="en-US" altLang="en-US" dirty="0"/>
           </a:p>
         </p:txBody>
       </p:sp>
@@ -13594,19 +13862,43 @@
               <a:rPr lang="en-US" altLang="en-US" sz="1600" dirty="0">
                 <a:latin typeface="Arial" pitchFamily="34" charset="0"/>
               </a:rPr>
-              <a:t> 6.93, or 0.56 percent, to 1,243.72,          </a:t>
+              <a:t> 6.93, or 0.56 percent, to 1,243.72,        </a:t>
+            </a:r>
+            <a:r>
+              <a:rPr lang="en-US" altLang="en-US" sz="1600" dirty="0" smtClean="0">
+                <a:latin typeface="Arial" pitchFamily="34" charset="0"/>
+              </a:rPr>
+              <a:t>  </a:t>
+            </a:r>
+            <a:r>
+              <a:rPr lang="en-US" altLang="en-US" sz="1600" u="sng" dirty="0" smtClean="0">
+                <a:latin typeface="Arial" pitchFamily="34" charset="0"/>
+              </a:rPr>
+              <a:t>its </a:t>
             </a:r>
             <a:r>
               <a:rPr lang="en-US" altLang="en-US" sz="1600" u="sng" dirty="0">
                 <a:latin typeface="Arial" pitchFamily="34" charset="0"/>
               </a:rPr>
-              <a:t>its best close</a:t>
+              <a:t>best close</a:t>
             </a:r>
             <a:r>
               <a:rPr lang="en-US" altLang="en-US" sz="1600" dirty="0">
                 <a:latin typeface="Arial" pitchFamily="34" charset="0"/>
               </a:rPr>
-              <a:t>     since June 12, 2001. </a:t>
+              <a:t>  </a:t>
+            </a:r>
+            <a:r>
+              <a:rPr lang="en-US" altLang="en-US" sz="1600" dirty="0" smtClean="0">
+                <a:latin typeface="Arial" pitchFamily="34" charset="0"/>
+              </a:rPr>
+              <a:t>   </a:t>
+            </a:r>
+            <a:r>
+              <a:rPr lang="en-US" altLang="en-US" sz="1600" dirty="0">
+                <a:latin typeface="Arial" pitchFamily="34" charset="0"/>
+              </a:rPr>
+              <a:t>since June 12, 2001. </a:t>
             </a:r>
           </a:p>
           <a:p>
@@ -13645,7 +13937,13 @@
               <a:rPr lang="en-US" altLang="en-US" sz="1600" dirty="0">
                 <a:latin typeface="Arial" pitchFamily="34" charset="0"/>
               </a:rPr>
-              <a:t> 12.22, or 0.56 percent, to 2,198.44  for  </a:t>
+              <a:t> 12.22, or 0.56 percent, to 2,198.44  </a:t>
+            </a:r>
+            <a:r>
+              <a:rPr lang="en-US" altLang="en-US" sz="1600" dirty="0" smtClean="0">
+                <a:latin typeface="Arial" pitchFamily="34" charset="0"/>
+              </a:rPr>
+              <a:t>for  </a:t>
             </a:r>
             <a:r>
               <a:rPr lang="en-US" altLang="en-US" sz="1600" u="sng" dirty="0">
@@ -13696,13 +13994,25 @@
               <a:rPr lang="en-US" altLang="en-US" sz="1600" dirty="0">
                 <a:latin typeface="Arial" pitchFamily="34" charset="0"/>
               </a:rPr>
-              <a:t>  68.46, or 0.64 percent, to 10,705.55,      </a:t>
+              <a:t>  68.46, or 0.64 percent, to 10,705.55,    </a:t>
+            </a:r>
+            <a:r>
+              <a:rPr lang="en-US" altLang="en-US" sz="1600" dirty="0" smtClean="0">
+                <a:latin typeface="Arial" pitchFamily="34" charset="0"/>
+              </a:rPr>
+              <a:t>  </a:t>
+            </a:r>
+            <a:r>
+              <a:rPr lang="en-US" altLang="en-US" sz="1600" u="sng" dirty="0" smtClean="0">
+                <a:latin typeface="Arial" pitchFamily="34" charset="0"/>
+              </a:rPr>
+              <a:t>its </a:t>
             </a:r>
             <a:r>
               <a:rPr lang="en-US" altLang="en-US" sz="1600" u="sng" dirty="0">
                 <a:latin typeface="Arial" pitchFamily="34" charset="0"/>
               </a:rPr>
-              <a:t>its highest level</a:t>
+              <a:t>highest level</a:t>
             </a:r>
             <a:r>
               <a:rPr lang="en-US" altLang="en-US" sz="1600" dirty="0">
@@ -14069,6 +14379,14 @@
   <p:clrMapOvr>
     <a:masterClrMapping/>
   </p:clrMapOvr>
+  <mc:AlternateContent xmlns:mc="http://schemas.openxmlformats.org/markup-compatibility/2006" xmlns:p14="http://schemas.microsoft.com/office/powerpoint/2010/main">
+    <mc:Choice Requires="p14">
+      <p:transition spd="slow" p14:dur="2000"/>
+    </mc:Choice>
+    <mc:Fallback xmlns="">
+      <p:transition spd="slow"/>
+    </mc:Fallback>
+  </mc:AlternateContent>
   <p:timing>
     <p:tnLst>
       <p:par>
@@ -14275,9 +14593,10 @@
           <a:lstStyle/>
           <a:p>
             <a:r>
-              <a:rPr lang="en-US" dirty="0"/>
+              <a:rPr lang="en-US" dirty="0" smtClean="0"/>
               <a:t>Do dogs understand language?</a:t>
             </a:r>
+            <a:endParaRPr lang="en-US" dirty="0"/>
           </a:p>
         </p:txBody>
       </p:sp>
@@ -14401,11 +14720,14 @@
           <a:lstStyle/>
           <a:p>
             <a:r>
-              <a:rPr lang="en-US" sz="18000" dirty="0">
+              <a:rPr lang="en-US" sz="18000" dirty="0" smtClean="0">
                 <a:latin typeface="Rockwell Extra Bold" panose="02060903040505020403" pitchFamily="18" charset="0"/>
               </a:rPr>
               <a:t>NLP</a:t>
             </a:r>
+            <a:endParaRPr lang="en-US" sz="18000" dirty="0">
+              <a:latin typeface="Rockwell Extra Bold" panose="02060903040505020403" pitchFamily="18" charset="0"/>
+            </a:endParaRPr>
           </a:p>
         </p:txBody>
       </p:sp>
@@ -14419,6 +14741,13 @@
   <p:clrMapOvr>
     <a:masterClrMapping/>
   </p:clrMapOvr>
+  <p:timing>
+    <p:tnLst>
+      <p:par>
+        <p:cTn id="1" dur="indefinite" restart="never" nodeType="tmRoot"/>
+      </p:par>
+    </p:tnLst>
+  </p:timing>
 </p:sld>
 </file>
 
@@ -14455,17 +14784,18 @@
           <a:lstStyle/>
           <a:p>
             <a:r>
-              <a:rPr lang="en-US" dirty="0"/>
+              <a:rPr lang="en-US" dirty="0" smtClean="0"/>
               <a:t>The </a:t>
             </a:r>
             <a:r>
-              <a:rPr lang="en-US" dirty="0" err="1"/>
+              <a:rPr lang="en-US" dirty="0" err="1" smtClean="0"/>
               <a:t>Winograd</a:t>
             </a:r>
             <a:r>
-              <a:rPr lang="en-US" dirty="0"/>
+              <a:rPr lang="en-US" dirty="0" smtClean="0"/>
               <a:t> Schema Challenge</a:t>
             </a:r>
+            <a:endParaRPr lang="en-US" dirty="0"/>
           </a:p>
         </p:txBody>
       </p:sp>
@@ -14539,17 +14869,18 @@
           <a:lstStyle/>
           <a:p>
             <a:r>
-              <a:rPr lang="en-US" dirty="0"/>
+              <a:rPr lang="en-US" dirty="0" smtClean="0"/>
               <a:t>The </a:t>
             </a:r>
             <a:r>
-              <a:rPr lang="en-US" dirty="0" err="1"/>
+              <a:rPr lang="en-US" dirty="0" err="1" smtClean="0"/>
               <a:t>Winograd</a:t>
             </a:r>
             <a:r>
-              <a:rPr lang="en-US" dirty="0"/>
+              <a:rPr lang="en-US" dirty="0" smtClean="0"/>
               <a:t> Schema Challenge</a:t>
             </a:r>
+            <a:endParaRPr lang="en-US" dirty="0"/>
           </a:p>
         </p:txBody>
       </p:sp>
@@ -14624,7 +14955,7 @@
           <a:p>
             <a:pPr eaLnBrk="1" hangingPunct="1"/>
             <a:r>
-              <a:rPr lang="en-US" altLang="en-US"/>
+              <a:rPr lang="en-US" altLang="en-US" smtClean="0"/>
               <a:t>Example</a:t>
             </a:r>
           </a:p>
@@ -14654,14 +14985,14 @@
           <a:p>
             <a:pPr eaLnBrk="1" hangingPunct="1"/>
             <a:r>
-              <a:rPr lang="en-US" altLang="en-US" dirty="0"/>
+              <a:rPr lang="en-US" altLang="en-US" dirty="0" smtClean="0"/>
               <a:t>How many different interpretations does the above sentence have? </a:t>
             </a:r>
           </a:p>
           <a:p>
             <a:pPr eaLnBrk="1" hangingPunct="1"/>
             <a:r>
-              <a:rPr lang="en-US" altLang="en-US" dirty="0"/>
+              <a:rPr lang="en-US" altLang="en-US" dirty="0" smtClean="0"/>
               <a:t>How many of them are reasonable/grammatical?</a:t>
             </a:r>
           </a:p>
@@ -15067,9 +15398,10 @@
           <a:lstStyle/>
           <a:p>
             <a:r>
-              <a:rPr lang="en-US" dirty="0"/>
+              <a:rPr lang="en-US" dirty="0" smtClean="0"/>
               <a:t>Quiz Answer</a:t>
             </a:r>
+            <a:endParaRPr lang="en-US" dirty="0"/>
           </a:p>
         </p:txBody>
       </p:sp>
@@ -15096,49 +15428,50 @@
           <a:lstStyle/>
           <a:p>
             <a:r>
-              <a:rPr lang="en-US" dirty="0"/>
+              <a:rPr lang="en-US" dirty="0" smtClean="0"/>
               <a:t>The most obvious meaning is</a:t>
             </a:r>
           </a:p>
           <a:p>
             <a:pPr lvl="1"/>
             <a:r>
-              <a:rPr lang="en-US" dirty="0"/>
+              <a:rPr lang="en-US" dirty="0" smtClean="0"/>
               <a:t>time flies very fast; as fast as an arrow.</a:t>
             </a:r>
           </a:p>
           <a:p>
             <a:r>
-              <a:rPr lang="en-US" dirty="0"/>
+              <a:rPr lang="en-US" dirty="0" smtClean="0"/>
               <a:t>This is a metaphorical interpretation. </a:t>
             </a:r>
           </a:p>
           <a:p>
             <a:pPr lvl="1"/>
             <a:r>
-              <a:rPr lang="en-US" dirty="0"/>
+              <a:rPr lang="en-US" dirty="0" smtClean="0"/>
               <a:t>Computers are not really good at metaphors.</a:t>
             </a:r>
           </a:p>
           <a:p>
             <a:r>
-              <a:rPr lang="en-US" dirty="0"/>
+              <a:rPr lang="en-US" dirty="0" smtClean="0"/>
               <a:t>Other interpretations:</a:t>
             </a:r>
           </a:p>
           <a:p>
             <a:pPr lvl="1"/>
             <a:r>
-              <a:rPr lang="en-US" dirty="0"/>
+              <a:rPr lang="en-US" dirty="0" smtClean="0"/>
               <a:t>Flies like honey -&gt; flies like an arrow -&gt; fruit flies like an arrow</a:t>
             </a:r>
           </a:p>
           <a:p>
             <a:pPr lvl="1"/>
             <a:r>
-              <a:rPr lang="en-US" dirty="0"/>
+              <a:rPr lang="en-US" dirty="0" smtClean="0"/>
               <a:t>Take a stopwatch and time the race -&gt; time the flies </a:t>
             </a:r>
+            <a:endParaRPr lang="en-US" dirty="0"/>
           </a:p>
         </p:txBody>
       </p:sp>
@@ -15492,7 +15825,7 @@
           <a:lstStyle/>
           <a:p>
             <a:r>
-              <a:rPr lang="en-US" altLang="en-US" dirty="0"/>
+              <a:rPr lang="en-US" altLang="en-US" dirty="0" smtClean="0"/>
               <a:t>More Classic Examples</a:t>
             </a:r>
           </a:p>
@@ -15521,51 +15854,56 @@
           <a:lstStyle/>
           <a:p>
             <a:r>
-              <a:rPr lang="en-US" altLang="en-US" sz="2000" dirty="0"/>
+              <a:rPr lang="en-US" altLang="en-US" sz="2000" dirty="0" smtClean="0"/>
               <a:t>Beverly Hills</a:t>
             </a:r>
           </a:p>
           <a:p>
             <a:r>
-              <a:rPr lang="en-US" altLang="en-US" sz="2000" dirty="0"/>
+              <a:rPr lang="en-US" altLang="en-US" sz="2000" dirty="0" smtClean="0"/>
               <a:t>Beverly Sills</a:t>
             </a:r>
           </a:p>
           <a:p>
             <a:r>
-              <a:rPr lang="en-US" altLang="en-US" sz="2000" dirty="0"/>
+              <a:rPr lang="en-US" altLang="en-US" sz="2000" dirty="0" smtClean="0"/>
               <a:t>The box is in the pen</a:t>
             </a:r>
           </a:p>
           <a:p>
             <a:r>
-              <a:rPr lang="en-US" altLang="en-US" sz="2000" dirty="0"/>
+              <a:rPr lang="en-US" altLang="en-US" sz="2000" dirty="0" smtClean="0"/>
               <a:t>The pen is in the box</a:t>
             </a:r>
           </a:p>
           <a:p>
             <a:r>
-              <a:rPr lang="en-US" altLang="en-US" sz="2000" dirty="0"/>
+              <a:rPr lang="en-US" altLang="en-US" sz="2000" dirty="0" smtClean="0"/>
               <a:t>Mary and Sue are mothers</a:t>
             </a:r>
           </a:p>
           <a:p>
             <a:r>
-              <a:rPr lang="en-US" altLang="en-US" sz="2000" dirty="0"/>
+              <a:rPr lang="en-US" altLang="en-US" sz="2000" dirty="0" smtClean="0"/>
               <a:t>Mary and Sue are sisters</a:t>
             </a:r>
           </a:p>
           <a:p>
             <a:r>
-              <a:rPr lang="en-US" altLang="en-US" sz="2000" dirty="0"/>
+              <a:rPr lang="en-US" altLang="en-US" sz="2000" dirty="0" smtClean="0"/>
               <a:t>Every American has a mother</a:t>
             </a:r>
           </a:p>
           <a:p>
             <a:r>
-              <a:rPr lang="en-US" altLang="en-US" sz="2000" dirty="0"/>
-              <a:t>Every American has a president</a:t>
-            </a:r>
+              <a:rPr lang="en-US" altLang="en-US" sz="2000" dirty="0" smtClean="0"/>
+              <a:t>Every American has a </a:t>
+            </a:r>
+            <a:r>
+              <a:rPr lang="en-US" altLang="en-US" sz="2000" dirty="0" smtClean="0"/>
+              <a:t>president</a:t>
+            </a:r>
+            <a:endParaRPr lang="en-US" altLang="en-US" sz="2000" dirty="0" smtClean="0"/>
           </a:p>
         </p:txBody>
       </p:sp>
